--- a/Docs/Azure Marketplace SaaS Integration overview.pptx
+++ b/Docs/Azure Marketplace SaaS Integration overview.pptx
@@ -6,8 +6,8 @@
   </p:sldMasterIdLst>
   <p:sldIdLst>
     <p:sldId id="256" r:id="rId2"/>
-    <p:sldId id="257" r:id="rId3"/>
-    <p:sldId id="258" r:id="rId4"/>
+    <p:sldId id="258" r:id="rId3"/>
+    <p:sldId id="257" r:id="rId4"/>
     <p:sldId id="259" r:id="rId5"/>
     <p:sldId id="260" r:id="rId6"/>
     <p:sldId id="261" r:id="rId7"/>
@@ -109,6 +109,11 @@
       </a:defRPr>
     </a:lvl9pPr>
   </p:defaultTextStyle>
+  <p:extLst>
+    <p:ext uri="{EFAFB233-063F-42B5-8137-9DF3F51BA10A}">
+      <p15:sldGuideLst xmlns:p15="http://schemas.microsoft.com/office/powerpoint/2012/main"/>
+    </p:ext>
+  </p:extLst>
 </p:presentation>
 </file>
 
@@ -1680,7 +1685,7 @@
 <dgm:dataModel xmlns:dgm="http://schemas.openxmlformats.org/drawingml/2006/diagram" xmlns:a="http://schemas.openxmlformats.org/drawingml/2006/main">
   <dgm:ptLst>
     <dgm:pt modelId="{DF4C08A2-8051-48E1-AAF5-39C7CE08A86F}" type="doc">
-      <dgm:prSet loTypeId="urn:microsoft.com/office/officeart/2005/8/layout/vList2" loCatId="list" qsTypeId="urn:microsoft.com/office/officeart/2005/8/quickstyle/simple1" qsCatId="simple" csTypeId="urn:microsoft.com/office/officeart/2005/8/colors/colorful5" csCatId="colorful"/>
+      <dgm:prSet loTypeId="urn:microsoft.com/office/officeart/2005/8/layout/vList2" loCatId="list" qsTypeId="urn:microsoft.com/office/officeart/2005/8/quickstyle/simple1" qsCatId="simple" csTypeId="urn:microsoft.com/office/officeart/2005/8/colors/colorful5" csCatId="colorful" phldr="1"/>
       <dgm:spPr/>
       <dgm:t>
         <a:bodyPr/>
@@ -1734,8 +1739,8 @@
         <a:lstStyle/>
         <a:p>
           <a:r>
-            <a:rPr lang="en-US"/>
-            <a:t>Address cases when</a:t>
+            <a:rPr lang="en-US" dirty="0"/>
+            <a:t>Address scenarios when</a:t>
           </a:r>
         </a:p>
       </dgm:t>
@@ -1914,7 +1919,7 @@
         <a:lstStyle/>
         <a:p>
           <a:r>
-            <a:rPr lang="en-US"/>
+            <a:rPr lang="en-US" dirty="0"/>
             <a:t>No need to implement cancel or update operations on the solution UI</a:t>
           </a:r>
         </a:p>
@@ -2831,8 +2836,8 @@
             <a:buNone/>
           </a:pPr>
           <a:r>
-            <a:rPr lang="en-US" sz="3100" kern="1200"/>
-            <a:t>Address cases when</a:t>
+            <a:rPr lang="en-US" sz="3100" kern="1200" dirty="0"/>
+            <a:t>Address scenarios when</a:t>
           </a:r>
         </a:p>
       </dsp:txBody>
@@ -2963,7 +2968,7 @@
             <a:buChar char="•"/>
           </a:pPr>
           <a:r>
-            <a:rPr lang="en-US" sz="2400" kern="1200"/>
+            <a:rPr lang="en-US" sz="2400" kern="1200" dirty="0"/>
             <a:t>No need to implement cancel or update operations on the solution UI</a:t>
           </a:r>
         </a:p>
@@ -6114,7 +6119,7 @@
           <a:p>
             <a:fld id="{FB9E0EC2-E6CF-4C59-B7BE-6DC3ABAA7ED0}" type="datetimeFigureOut">
               <a:rPr lang="en-US" smtClean="0"/>
-              <a:t>9/16/2019</a:t>
+              <a:t>9/17/2019</a:t>
             </a:fld>
             <a:endParaRPr lang="en-US"/>
           </a:p>
@@ -6312,7 +6317,7 @@
           <a:p>
             <a:fld id="{FB9E0EC2-E6CF-4C59-B7BE-6DC3ABAA7ED0}" type="datetimeFigureOut">
               <a:rPr lang="en-US" smtClean="0"/>
-              <a:t>9/16/2019</a:t>
+              <a:t>9/17/2019</a:t>
             </a:fld>
             <a:endParaRPr lang="en-US"/>
           </a:p>
@@ -6520,7 +6525,7 @@
           <a:p>
             <a:fld id="{FB9E0EC2-E6CF-4C59-B7BE-6DC3ABAA7ED0}" type="datetimeFigureOut">
               <a:rPr lang="en-US" smtClean="0"/>
-              <a:t>9/16/2019</a:t>
+              <a:t>9/17/2019</a:t>
             </a:fld>
             <a:endParaRPr lang="en-US"/>
           </a:p>
@@ -6718,7 +6723,7 @@
           <a:p>
             <a:fld id="{FB9E0EC2-E6CF-4C59-B7BE-6DC3ABAA7ED0}" type="datetimeFigureOut">
               <a:rPr lang="en-US" smtClean="0"/>
-              <a:t>9/16/2019</a:t>
+              <a:t>9/17/2019</a:t>
             </a:fld>
             <a:endParaRPr lang="en-US"/>
           </a:p>
@@ -6993,7 +6998,7 @@
           <a:p>
             <a:fld id="{FB9E0EC2-E6CF-4C59-B7BE-6DC3ABAA7ED0}" type="datetimeFigureOut">
               <a:rPr lang="en-US" smtClean="0"/>
-              <a:t>9/16/2019</a:t>
+              <a:t>9/17/2019</a:t>
             </a:fld>
             <a:endParaRPr lang="en-US"/>
           </a:p>
@@ -7258,7 +7263,7 @@
           <a:p>
             <a:fld id="{FB9E0EC2-E6CF-4C59-B7BE-6DC3ABAA7ED0}" type="datetimeFigureOut">
               <a:rPr lang="en-US" smtClean="0"/>
-              <a:t>9/16/2019</a:t>
+              <a:t>9/17/2019</a:t>
             </a:fld>
             <a:endParaRPr lang="en-US"/>
           </a:p>
@@ -7670,7 +7675,7 @@
           <a:p>
             <a:fld id="{FB9E0EC2-E6CF-4C59-B7BE-6DC3ABAA7ED0}" type="datetimeFigureOut">
               <a:rPr lang="en-US" smtClean="0"/>
-              <a:t>9/16/2019</a:t>
+              <a:t>9/17/2019</a:t>
             </a:fld>
             <a:endParaRPr lang="en-US"/>
           </a:p>
@@ -7811,7 +7816,7 @@
           <a:p>
             <a:fld id="{FB9E0EC2-E6CF-4C59-B7BE-6DC3ABAA7ED0}" type="datetimeFigureOut">
               <a:rPr lang="en-US" smtClean="0"/>
-              <a:t>9/16/2019</a:t>
+              <a:t>9/17/2019</a:t>
             </a:fld>
             <a:endParaRPr lang="en-US"/>
           </a:p>
@@ -7924,7 +7929,7 @@
           <a:p>
             <a:fld id="{FB9E0EC2-E6CF-4C59-B7BE-6DC3ABAA7ED0}" type="datetimeFigureOut">
               <a:rPr lang="en-US" smtClean="0"/>
-              <a:t>9/16/2019</a:t>
+              <a:t>9/17/2019</a:t>
             </a:fld>
             <a:endParaRPr lang="en-US"/>
           </a:p>
@@ -8235,7 +8240,7 @@
           <a:p>
             <a:fld id="{FB9E0EC2-E6CF-4C59-B7BE-6DC3ABAA7ED0}" type="datetimeFigureOut">
               <a:rPr lang="en-US" smtClean="0"/>
-              <a:t>9/16/2019</a:t>
+              <a:t>9/17/2019</a:t>
             </a:fld>
             <a:endParaRPr lang="en-US"/>
           </a:p>
@@ -8523,7 +8528,7 @@
           <a:p>
             <a:fld id="{FB9E0EC2-E6CF-4C59-B7BE-6DC3ABAA7ED0}" type="datetimeFigureOut">
               <a:rPr lang="en-US" smtClean="0"/>
-              <a:t>9/16/2019</a:t>
+              <a:t>9/17/2019</a:t>
             </a:fld>
             <a:endParaRPr lang="en-US"/>
           </a:p>
@@ -8764,7 +8769,7 @@
           <a:p>
             <a:fld id="{FB9E0EC2-E6CF-4C59-B7BE-6DC3ABAA7ED0}" type="datetimeFigureOut">
               <a:rPr lang="en-US" smtClean="0"/>
-              <a:t>9/16/2019</a:t>
+              <a:t>9/17/2019</a:t>
             </a:fld>
             <a:endParaRPr lang="en-US"/>
           </a:p>
@@ -9849,6 +9854,595 @@
 </file>
 
 <file path=ppt/slides/slide2.xml><?xml version="1.0" encoding="utf-8"?>
+<p:sld xmlns:a="http://schemas.openxmlformats.org/drawingml/2006/main" xmlns:r="http://schemas.openxmlformats.org/officeDocument/2006/relationships" xmlns:p="http://schemas.openxmlformats.org/presentationml/2006/main">
+  <p:cSld>
+    <p:bg>
+      <p:bgPr>
+        <a:solidFill>
+          <a:schemeClr val="bg1"/>
+        </a:solidFill>
+        <a:effectLst/>
+      </p:bgPr>
+    </p:bg>
+    <p:spTree>
+      <p:nvGrpSpPr>
+        <p:cNvPr id="1" name=""/>
+        <p:cNvGrpSpPr/>
+        <p:nvPr/>
+      </p:nvGrpSpPr>
+      <p:grpSpPr>
+        <a:xfrm>
+          <a:off x="0" y="0"/>
+          <a:ext cx="0" cy="0"/>
+          <a:chOff x="0" y="0"/>
+          <a:chExt cx="0" cy="0"/>
+        </a:xfrm>
+      </p:grpSpPr>
+      <p:sp>
+        <p:nvSpPr>
+          <p:cNvPr id="14" name="Freeform: Shape 13">
+            <a:extLst>
+              <a:ext uri="{FF2B5EF4-FFF2-40B4-BE49-F238E27FC236}">
+                <a16:creationId xmlns:a16="http://schemas.microsoft.com/office/drawing/2014/main" id="{46C2E80F-49A6-4372-B103-219D417A55ED}"/>
+              </a:ext>
+              <a:ext uri="{C183D7F6-B498-43B3-948B-1728B52AA6E4}">
+                <adec:decorative xmlns:adec="http://schemas.microsoft.com/office/drawing/2017/decorative" val="1"/>
+              </a:ext>
+            </a:extLst>
+          </p:cNvPr>
+          <p:cNvSpPr>
+            <a:spLocks noGrp="1" noRot="1" noChangeAspect="1" noMove="1" noResize="1" noEditPoints="1" noAdjustHandles="1" noChangeArrowheads="1" noChangeShapeType="1" noTextEdit="1"/>
+          </p:cNvSpPr>
+          <p:nvPr>
+            <p:extLst>
+              <p:ext uri="{386F3935-93C4-4BCD-93E2-E3B085C9AB24}">
+                <p16:designElem xmlns:p16="http://schemas.microsoft.com/office/powerpoint/2015/main" val="1"/>
+              </p:ext>
+            </p:extLst>
+          </p:nvPr>
+        </p:nvSpPr>
+        <p:spPr>
+          <a:xfrm>
+            <a:off x="484096" y="470925"/>
+            <a:ext cx="4381009" cy="5892104"/>
+          </a:xfrm>
+          <a:custGeom>
+            <a:avLst/>
+            <a:gdLst>
+              <a:gd name="connsiteX0" fmla="*/ 0 w 4381009"/>
+              <a:gd name="connsiteY0" fmla="*/ 0 h 5892104"/>
+              <a:gd name="connsiteX1" fmla="*/ 4157628 w 4381009"/>
+              <a:gd name="connsiteY1" fmla="*/ 0 h 5892104"/>
+              <a:gd name="connsiteX2" fmla="*/ 4169302 w 4381009"/>
+              <a:gd name="connsiteY2" fmla="*/ 68659 h 5892104"/>
+              <a:gd name="connsiteX3" fmla="*/ 4191571 w 4381009"/>
+              <a:gd name="connsiteY3" fmla="*/ 205472 h 5892104"/>
+              <a:gd name="connsiteX4" fmla="*/ 4213368 w 4381009"/>
+              <a:gd name="connsiteY4" fmla="*/ 342890 h 5892104"/>
+              <a:gd name="connsiteX5" fmla="*/ 4232030 w 4381009"/>
+              <a:gd name="connsiteY5" fmla="*/ 480913 h 5892104"/>
+              <a:gd name="connsiteX6" fmla="*/ 4250848 w 4381009"/>
+              <a:gd name="connsiteY6" fmla="*/ 618332 h 5892104"/>
+              <a:gd name="connsiteX7" fmla="*/ 4268412 w 4381009"/>
+              <a:gd name="connsiteY7" fmla="*/ 756355 h 5892104"/>
+              <a:gd name="connsiteX8" fmla="*/ 4283467 w 4381009"/>
+              <a:gd name="connsiteY8" fmla="*/ 892563 h 5892104"/>
+              <a:gd name="connsiteX9" fmla="*/ 4297737 w 4381009"/>
+              <a:gd name="connsiteY9" fmla="*/ 1030587 h 5892104"/>
+              <a:gd name="connsiteX10" fmla="*/ 4310754 w 4381009"/>
+              <a:gd name="connsiteY10" fmla="*/ 1168005 h 5892104"/>
+              <a:gd name="connsiteX11" fmla="*/ 4322045 w 4381009"/>
+              <a:gd name="connsiteY11" fmla="*/ 1303002 h 5892104"/>
+              <a:gd name="connsiteX12" fmla="*/ 4333336 w 4381009"/>
+              <a:gd name="connsiteY12" fmla="*/ 1439815 h 5892104"/>
+              <a:gd name="connsiteX13" fmla="*/ 4342745 w 4381009"/>
+              <a:gd name="connsiteY13" fmla="*/ 1574812 h 5892104"/>
+              <a:gd name="connsiteX14" fmla="*/ 4350115 w 4381009"/>
+              <a:gd name="connsiteY14" fmla="*/ 1709808 h 5892104"/>
+              <a:gd name="connsiteX15" fmla="*/ 4357799 w 4381009"/>
+              <a:gd name="connsiteY15" fmla="*/ 1844200 h 5892104"/>
+              <a:gd name="connsiteX16" fmla="*/ 4364229 w 4381009"/>
+              <a:gd name="connsiteY16" fmla="*/ 1977381 h 5892104"/>
+              <a:gd name="connsiteX17" fmla="*/ 4368777 w 4381009"/>
+              <a:gd name="connsiteY17" fmla="*/ 2109351 h 5892104"/>
+              <a:gd name="connsiteX18" fmla="*/ 4372697 w 4381009"/>
+              <a:gd name="connsiteY18" fmla="*/ 2241321 h 5892104"/>
+              <a:gd name="connsiteX19" fmla="*/ 4376461 w 4381009"/>
+              <a:gd name="connsiteY19" fmla="*/ 2372080 h 5892104"/>
+              <a:gd name="connsiteX20" fmla="*/ 4378186 w 4381009"/>
+              <a:gd name="connsiteY20" fmla="*/ 2501023 h 5892104"/>
+              <a:gd name="connsiteX21" fmla="*/ 4380068 w 4381009"/>
+              <a:gd name="connsiteY21" fmla="*/ 2629966 h 5892104"/>
+              <a:gd name="connsiteX22" fmla="*/ 4381009 w 4381009"/>
+              <a:gd name="connsiteY22" fmla="*/ 2757093 h 5892104"/>
+              <a:gd name="connsiteX23" fmla="*/ 4380068 w 4381009"/>
+              <a:gd name="connsiteY23" fmla="*/ 2883010 h 5892104"/>
+              <a:gd name="connsiteX24" fmla="*/ 4380068 w 4381009"/>
+              <a:gd name="connsiteY24" fmla="*/ 3007715 h 5892104"/>
+              <a:gd name="connsiteX25" fmla="*/ 4378186 w 4381009"/>
+              <a:gd name="connsiteY25" fmla="*/ 3131210 h 5892104"/>
+              <a:gd name="connsiteX26" fmla="*/ 4375363 w 4381009"/>
+              <a:gd name="connsiteY26" fmla="*/ 3252283 h 5892104"/>
+              <a:gd name="connsiteX27" fmla="*/ 4372697 w 4381009"/>
+              <a:gd name="connsiteY27" fmla="*/ 3372146 h 5892104"/>
+              <a:gd name="connsiteX28" fmla="*/ 4369718 w 4381009"/>
+              <a:gd name="connsiteY28" fmla="*/ 3489587 h 5892104"/>
+              <a:gd name="connsiteX29" fmla="*/ 4365170 w 4381009"/>
+              <a:gd name="connsiteY29" fmla="*/ 3606423 h 5892104"/>
+              <a:gd name="connsiteX30" fmla="*/ 4360309 w 4381009"/>
+              <a:gd name="connsiteY30" fmla="*/ 3721443 h 5892104"/>
+              <a:gd name="connsiteX31" fmla="*/ 4355918 w 4381009"/>
+              <a:gd name="connsiteY31" fmla="*/ 3834041 h 5892104"/>
+              <a:gd name="connsiteX32" fmla="*/ 4343529 w 4381009"/>
+              <a:gd name="connsiteY32" fmla="*/ 4053789 h 5892104"/>
+              <a:gd name="connsiteX33" fmla="*/ 4330356 w 4381009"/>
+              <a:gd name="connsiteY33" fmla="*/ 4264457 h 5892104"/>
+              <a:gd name="connsiteX34" fmla="*/ 4316556 w 4381009"/>
+              <a:gd name="connsiteY34" fmla="*/ 4466650 h 5892104"/>
+              <a:gd name="connsiteX35" fmla="*/ 4301344 w 4381009"/>
+              <a:gd name="connsiteY35" fmla="*/ 4657946 h 5892104"/>
+              <a:gd name="connsiteX36" fmla="*/ 4285506 w 4381009"/>
+              <a:gd name="connsiteY36" fmla="*/ 4840767 h 5892104"/>
+              <a:gd name="connsiteX37" fmla="*/ 4268412 w 4381009"/>
+              <a:gd name="connsiteY37" fmla="*/ 5010269 h 5892104"/>
+              <a:gd name="connsiteX38" fmla="*/ 4251633 w 4381009"/>
+              <a:gd name="connsiteY38" fmla="*/ 5169481 h 5892104"/>
+              <a:gd name="connsiteX39" fmla="*/ 4234853 w 4381009"/>
+              <a:gd name="connsiteY39" fmla="*/ 5315980 h 5892104"/>
+              <a:gd name="connsiteX40" fmla="*/ 4219014 w 4381009"/>
+              <a:gd name="connsiteY40" fmla="*/ 5450371 h 5892104"/>
+              <a:gd name="connsiteX41" fmla="*/ 4203959 w 4381009"/>
+              <a:gd name="connsiteY41" fmla="*/ 5569628 h 5892104"/>
+              <a:gd name="connsiteX42" fmla="*/ 4189689 w 4381009"/>
+              <a:gd name="connsiteY42" fmla="*/ 5677384 h 5892104"/>
+              <a:gd name="connsiteX43" fmla="*/ 4177770 w 4381009"/>
+              <a:gd name="connsiteY43" fmla="*/ 5768189 h 5892104"/>
+              <a:gd name="connsiteX44" fmla="*/ 4166479 w 4381009"/>
+              <a:gd name="connsiteY44" fmla="*/ 5844465 h 5892104"/>
+              <a:gd name="connsiteX45" fmla="*/ 4159132 w 4381009"/>
+              <a:gd name="connsiteY45" fmla="*/ 5892104 h 5892104"/>
+              <a:gd name="connsiteX46" fmla="*/ 0 w 4381009"/>
+              <a:gd name="connsiteY46" fmla="*/ 5892104 h 5892104"/>
+            </a:gdLst>
+            <a:ahLst/>
+            <a:cxnLst>
+              <a:cxn ang="0">
+                <a:pos x="connsiteX0" y="connsiteY0"/>
+              </a:cxn>
+              <a:cxn ang="0">
+                <a:pos x="connsiteX1" y="connsiteY1"/>
+              </a:cxn>
+              <a:cxn ang="0">
+                <a:pos x="connsiteX2" y="connsiteY2"/>
+              </a:cxn>
+              <a:cxn ang="0">
+                <a:pos x="connsiteX3" y="connsiteY3"/>
+              </a:cxn>
+              <a:cxn ang="0">
+                <a:pos x="connsiteX4" y="connsiteY4"/>
+              </a:cxn>
+              <a:cxn ang="0">
+                <a:pos x="connsiteX5" y="connsiteY5"/>
+              </a:cxn>
+              <a:cxn ang="0">
+                <a:pos x="connsiteX6" y="connsiteY6"/>
+              </a:cxn>
+              <a:cxn ang="0">
+                <a:pos x="connsiteX7" y="connsiteY7"/>
+              </a:cxn>
+              <a:cxn ang="0">
+                <a:pos x="connsiteX8" y="connsiteY8"/>
+              </a:cxn>
+              <a:cxn ang="0">
+                <a:pos x="connsiteX9" y="connsiteY9"/>
+              </a:cxn>
+              <a:cxn ang="0">
+                <a:pos x="connsiteX10" y="connsiteY10"/>
+              </a:cxn>
+              <a:cxn ang="0">
+                <a:pos x="connsiteX11" y="connsiteY11"/>
+              </a:cxn>
+              <a:cxn ang="0">
+                <a:pos x="connsiteX12" y="connsiteY12"/>
+              </a:cxn>
+              <a:cxn ang="0">
+                <a:pos x="connsiteX13" y="connsiteY13"/>
+              </a:cxn>
+              <a:cxn ang="0">
+                <a:pos x="connsiteX14" y="connsiteY14"/>
+              </a:cxn>
+              <a:cxn ang="0">
+                <a:pos x="connsiteX15" y="connsiteY15"/>
+              </a:cxn>
+              <a:cxn ang="0">
+                <a:pos x="connsiteX16" y="connsiteY16"/>
+              </a:cxn>
+              <a:cxn ang="0">
+                <a:pos x="connsiteX17" y="connsiteY17"/>
+              </a:cxn>
+              <a:cxn ang="0">
+                <a:pos x="connsiteX18" y="connsiteY18"/>
+              </a:cxn>
+              <a:cxn ang="0">
+                <a:pos x="connsiteX19" y="connsiteY19"/>
+              </a:cxn>
+              <a:cxn ang="0">
+                <a:pos x="connsiteX20" y="connsiteY20"/>
+              </a:cxn>
+              <a:cxn ang="0">
+                <a:pos x="connsiteX21" y="connsiteY21"/>
+              </a:cxn>
+              <a:cxn ang="0">
+                <a:pos x="connsiteX22" y="connsiteY22"/>
+              </a:cxn>
+              <a:cxn ang="0">
+                <a:pos x="connsiteX23" y="connsiteY23"/>
+              </a:cxn>
+              <a:cxn ang="0">
+                <a:pos x="connsiteX24" y="connsiteY24"/>
+              </a:cxn>
+              <a:cxn ang="0">
+                <a:pos x="connsiteX25" y="connsiteY25"/>
+              </a:cxn>
+              <a:cxn ang="0">
+                <a:pos x="connsiteX26" y="connsiteY26"/>
+              </a:cxn>
+              <a:cxn ang="0">
+                <a:pos x="connsiteX27" y="connsiteY27"/>
+              </a:cxn>
+              <a:cxn ang="0">
+                <a:pos x="connsiteX28" y="connsiteY28"/>
+              </a:cxn>
+              <a:cxn ang="0">
+                <a:pos x="connsiteX29" y="connsiteY29"/>
+              </a:cxn>
+              <a:cxn ang="0">
+                <a:pos x="connsiteX30" y="connsiteY30"/>
+              </a:cxn>
+              <a:cxn ang="0">
+                <a:pos x="connsiteX31" y="connsiteY31"/>
+              </a:cxn>
+              <a:cxn ang="0">
+                <a:pos x="connsiteX32" y="connsiteY32"/>
+              </a:cxn>
+              <a:cxn ang="0">
+                <a:pos x="connsiteX33" y="connsiteY33"/>
+              </a:cxn>
+              <a:cxn ang="0">
+                <a:pos x="connsiteX34" y="connsiteY34"/>
+              </a:cxn>
+              <a:cxn ang="0">
+                <a:pos x="connsiteX35" y="connsiteY35"/>
+              </a:cxn>
+              <a:cxn ang="0">
+                <a:pos x="connsiteX36" y="connsiteY36"/>
+              </a:cxn>
+              <a:cxn ang="0">
+                <a:pos x="connsiteX37" y="connsiteY37"/>
+              </a:cxn>
+              <a:cxn ang="0">
+                <a:pos x="connsiteX38" y="connsiteY38"/>
+              </a:cxn>
+              <a:cxn ang="0">
+                <a:pos x="connsiteX39" y="connsiteY39"/>
+              </a:cxn>
+              <a:cxn ang="0">
+                <a:pos x="connsiteX40" y="connsiteY40"/>
+              </a:cxn>
+              <a:cxn ang="0">
+                <a:pos x="connsiteX41" y="connsiteY41"/>
+              </a:cxn>
+              <a:cxn ang="0">
+                <a:pos x="connsiteX42" y="connsiteY42"/>
+              </a:cxn>
+              <a:cxn ang="0">
+                <a:pos x="connsiteX43" y="connsiteY43"/>
+              </a:cxn>
+              <a:cxn ang="0">
+                <a:pos x="connsiteX44" y="connsiteY44"/>
+              </a:cxn>
+              <a:cxn ang="0">
+                <a:pos x="connsiteX45" y="connsiteY45"/>
+              </a:cxn>
+              <a:cxn ang="0">
+                <a:pos x="connsiteX46" y="connsiteY46"/>
+              </a:cxn>
+            </a:cxnLst>
+            <a:rect l="l" t="t" r="r" b="b"/>
+            <a:pathLst>
+              <a:path w="4381009" h="5892104">
+                <a:moveTo>
+                  <a:pt x="0" y="0"/>
+                </a:moveTo>
+                <a:lnTo>
+                  <a:pt x="4157628" y="0"/>
+                </a:lnTo>
+                <a:lnTo>
+                  <a:pt x="4169302" y="68659"/>
+                </a:lnTo>
+                <a:lnTo>
+                  <a:pt x="4191571" y="205472"/>
+                </a:lnTo>
+                <a:lnTo>
+                  <a:pt x="4213368" y="342890"/>
+                </a:lnTo>
+                <a:lnTo>
+                  <a:pt x="4232030" y="480913"/>
+                </a:lnTo>
+                <a:lnTo>
+                  <a:pt x="4250848" y="618332"/>
+                </a:lnTo>
+                <a:lnTo>
+                  <a:pt x="4268412" y="756355"/>
+                </a:lnTo>
+                <a:lnTo>
+                  <a:pt x="4283467" y="892563"/>
+                </a:lnTo>
+                <a:lnTo>
+                  <a:pt x="4297737" y="1030587"/>
+                </a:lnTo>
+                <a:lnTo>
+                  <a:pt x="4310754" y="1168005"/>
+                </a:lnTo>
+                <a:lnTo>
+                  <a:pt x="4322045" y="1303002"/>
+                </a:lnTo>
+                <a:lnTo>
+                  <a:pt x="4333336" y="1439815"/>
+                </a:lnTo>
+                <a:lnTo>
+                  <a:pt x="4342745" y="1574812"/>
+                </a:lnTo>
+                <a:lnTo>
+                  <a:pt x="4350115" y="1709808"/>
+                </a:lnTo>
+                <a:lnTo>
+                  <a:pt x="4357799" y="1844200"/>
+                </a:lnTo>
+                <a:lnTo>
+                  <a:pt x="4364229" y="1977381"/>
+                </a:lnTo>
+                <a:lnTo>
+                  <a:pt x="4368777" y="2109351"/>
+                </a:lnTo>
+                <a:lnTo>
+                  <a:pt x="4372697" y="2241321"/>
+                </a:lnTo>
+                <a:lnTo>
+                  <a:pt x="4376461" y="2372080"/>
+                </a:lnTo>
+                <a:lnTo>
+                  <a:pt x="4378186" y="2501023"/>
+                </a:lnTo>
+                <a:lnTo>
+                  <a:pt x="4380068" y="2629966"/>
+                </a:lnTo>
+                <a:lnTo>
+                  <a:pt x="4381009" y="2757093"/>
+                </a:lnTo>
+                <a:lnTo>
+                  <a:pt x="4380068" y="2883010"/>
+                </a:lnTo>
+                <a:lnTo>
+                  <a:pt x="4380068" y="3007715"/>
+                </a:lnTo>
+                <a:lnTo>
+                  <a:pt x="4378186" y="3131210"/>
+                </a:lnTo>
+                <a:lnTo>
+                  <a:pt x="4375363" y="3252283"/>
+                </a:lnTo>
+                <a:lnTo>
+                  <a:pt x="4372697" y="3372146"/>
+                </a:lnTo>
+                <a:lnTo>
+                  <a:pt x="4369718" y="3489587"/>
+                </a:lnTo>
+                <a:lnTo>
+                  <a:pt x="4365170" y="3606423"/>
+                </a:lnTo>
+                <a:lnTo>
+                  <a:pt x="4360309" y="3721443"/>
+                </a:lnTo>
+                <a:lnTo>
+                  <a:pt x="4355918" y="3834041"/>
+                </a:lnTo>
+                <a:lnTo>
+                  <a:pt x="4343529" y="4053789"/>
+                </a:lnTo>
+                <a:lnTo>
+                  <a:pt x="4330356" y="4264457"/>
+                </a:lnTo>
+                <a:lnTo>
+                  <a:pt x="4316556" y="4466650"/>
+                </a:lnTo>
+                <a:lnTo>
+                  <a:pt x="4301344" y="4657946"/>
+                </a:lnTo>
+                <a:lnTo>
+                  <a:pt x="4285506" y="4840767"/>
+                </a:lnTo>
+                <a:lnTo>
+                  <a:pt x="4268412" y="5010269"/>
+                </a:lnTo>
+                <a:lnTo>
+                  <a:pt x="4251633" y="5169481"/>
+                </a:lnTo>
+                <a:lnTo>
+                  <a:pt x="4234853" y="5315980"/>
+                </a:lnTo>
+                <a:lnTo>
+                  <a:pt x="4219014" y="5450371"/>
+                </a:lnTo>
+                <a:lnTo>
+                  <a:pt x="4203959" y="5569628"/>
+                </a:lnTo>
+                <a:lnTo>
+                  <a:pt x="4189689" y="5677384"/>
+                </a:lnTo>
+                <a:lnTo>
+                  <a:pt x="4177770" y="5768189"/>
+                </a:lnTo>
+                <a:lnTo>
+                  <a:pt x="4166479" y="5844465"/>
+                </a:lnTo>
+                <a:lnTo>
+                  <a:pt x="4159132" y="5892104"/>
+                </a:lnTo>
+                <a:lnTo>
+                  <a:pt x="0" y="5892104"/>
+                </a:lnTo>
+                <a:close/>
+              </a:path>
+            </a:pathLst>
+          </a:custGeom>
+          <a:solidFill>
+            <a:srgbClr val="404040"/>
+          </a:solidFill>
+          <a:ln>
+            <a:noFill/>
+          </a:ln>
+        </p:spPr>
+        <p:style>
+          <a:lnRef idx="2">
+            <a:schemeClr val="accent1">
+              <a:shade val="50000"/>
+            </a:schemeClr>
+          </a:lnRef>
+          <a:fillRef idx="1">
+            <a:schemeClr val="accent1"/>
+          </a:fillRef>
+          <a:effectRef idx="0">
+            <a:schemeClr val="accent1"/>
+          </a:effectRef>
+          <a:fontRef idx="minor">
+            <a:schemeClr val="lt1"/>
+          </a:fontRef>
+        </p:style>
+        <p:txBody>
+          <a:bodyPr wrap="square" rtlCol="0" anchor="ctr">
+            <a:noAutofit/>
+          </a:bodyPr>
+          <a:lstStyle/>
+          <a:p>
+            <a:pPr marL="0" marR="0" lvl="0" indent="0" algn="ctr" defTabSz="457200" rtl="0" eaLnBrk="1" fontAlgn="auto" latinLnBrk="0" hangingPunct="1">
+              <a:lnSpc>
+                <a:spcPct val="100000"/>
+              </a:lnSpc>
+              <a:spcBef>
+                <a:spcPts val="0"/>
+              </a:spcBef>
+              <a:spcAft>
+                <a:spcPts val="0"/>
+              </a:spcAft>
+              <a:buClrTx/>
+              <a:buSzTx/>
+              <a:buFontTx/>
+              <a:buNone/>
+              <a:tabLst/>
+              <a:defRPr/>
+            </a:pPr>
+            <a:endParaRPr kumimoji="0" lang="en-US" sz="1800" b="0" i="0" u="none" strike="noStrike" kern="1200" cap="none" spc="0" normalizeH="0" baseline="0" noProof="0">
+              <a:ln>
+                <a:noFill/>
+              </a:ln>
+              <a:solidFill>
+                <a:prstClr val="white"/>
+              </a:solidFill>
+              <a:effectLst/>
+              <a:uLnTx/>
+              <a:uFillTx/>
+              <a:latin typeface="Calibri" panose="020F0502020204030204"/>
+              <a:ea typeface="+mn-ea"/>
+              <a:cs typeface="+mn-cs"/>
+            </a:endParaRPr>
+          </a:p>
+        </p:txBody>
+      </p:sp>
+      <p:sp>
+        <p:nvSpPr>
+          <p:cNvPr id="5" name="Title 4">
+            <a:extLst>
+              <a:ext uri="{FF2B5EF4-FFF2-40B4-BE49-F238E27FC236}">
+                <a16:creationId xmlns:a16="http://schemas.microsoft.com/office/drawing/2014/main" id="{8D800488-8D4F-4FBD-B61E-8F3B75B7B3D8}"/>
+              </a:ext>
+            </a:extLst>
+          </p:cNvPr>
+          <p:cNvSpPr>
+            <a:spLocks noGrp="1"/>
+          </p:cNvSpPr>
+          <p:nvPr>
+            <p:ph type="title"/>
+          </p:nvPr>
+        </p:nvSpPr>
+        <p:spPr>
+          <a:xfrm>
+            <a:off x="863029" y="1012004"/>
+            <a:ext cx="3416158" cy="4795408"/>
+          </a:xfrm>
+        </p:spPr>
+        <p:txBody>
+          <a:bodyPr>
+            <a:normAutofit/>
+          </a:bodyPr>
+          <a:lstStyle/>
+          <a:p>
+            <a:r>
+              <a:rPr lang="en-US" dirty="0">
+                <a:solidFill>
+                  <a:srgbClr val="FFFFFF"/>
+                </a:solidFill>
+              </a:rPr>
+              <a:t>Why?</a:t>
+            </a:r>
+          </a:p>
+        </p:txBody>
+      </p:sp>
+      <p:graphicFrame>
+        <p:nvGraphicFramePr>
+          <p:cNvPr id="9" name="Content Placeholder 6">
+            <a:extLst>
+              <a:ext uri="{FF2B5EF4-FFF2-40B4-BE49-F238E27FC236}">
+                <a16:creationId xmlns:a16="http://schemas.microsoft.com/office/drawing/2014/main" id="{DB11A58A-C759-4C06-A951-F7CBEE44BEA8}"/>
+              </a:ext>
+            </a:extLst>
+          </p:cNvPr>
+          <p:cNvGraphicFramePr>
+            <a:graphicFrameLocks noGrp="1"/>
+          </p:cNvGraphicFramePr>
+          <p:nvPr>
+            <p:ph idx="1"/>
+            <p:extLst>
+              <p:ext uri="{D42A27DB-BD31-4B8C-83A1-F6EECF244321}">
+                <p14:modId xmlns:p14="http://schemas.microsoft.com/office/powerpoint/2010/main" val="3420990117"/>
+              </p:ext>
+            </p:extLst>
+          </p:nvPr>
+        </p:nvGraphicFramePr>
+        <p:xfrm>
+          <a:off x="5194300" y="470924"/>
+          <a:ext cx="6513604" cy="5885426"/>
+        </p:xfrm>
+        <a:graphic>
+          <a:graphicData uri="http://schemas.openxmlformats.org/drawingml/2006/diagram">
+            <dgm:relIds xmlns:dgm="http://schemas.openxmlformats.org/drawingml/2006/diagram" xmlns:r="http://schemas.openxmlformats.org/officeDocument/2006/relationships" r:dm="rId2" r:lo="rId3" r:qs="rId4" r:cs="rId5"/>
+          </a:graphicData>
+        </a:graphic>
+      </p:graphicFrame>
+    </p:spTree>
+    <p:extLst>
+      <p:ext uri="{BB962C8B-B14F-4D97-AF65-F5344CB8AC3E}">
+        <p14:creationId xmlns:p14="http://schemas.microsoft.com/office/powerpoint/2010/main" val="2076248262"/>
+      </p:ext>
+    </p:extLst>
+  </p:cSld>
+  <p:clrMapOvr>
+    <a:masterClrMapping/>
+  </p:clrMapOvr>
+</p:sld>
+</file>
+
+<file path=ppt/slides/slide3.xml><?xml version="1.0" encoding="utf-8"?>
 <p:sld xmlns:a="http://schemas.openxmlformats.org/drawingml/2006/main" xmlns:r="http://schemas.openxmlformats.org/officeDocument/2006/relationships" xmlns:p="http://schemas.openxmlformats.org/presentationml/2006/main">
   <p:cSld>
     <p:spTree>
@@ -10983,595 +11577,6 @@
     <p:extLst>
       <p:ext uri="{BB962C8B-B14F-4D97-AF65-F5344CB8AC3E}">
         <p14:creationId xmlns:p14="http://schemas.microsoft.com/office/powerpoint/2010/main" val="4163084804"/>
-      </p:ext>
-    </p:extLst>
-  </p:cSld>
-  <p:clrMapOvr>
-    <a:masterClrMapping/>
-  </p:clrMapOvr>
-</p:sld>
-</file>
-
-<file path=ppt/slides/slide3.xml><?xml version="1.0" encoding="utf-8"?>
-<p:sld xmlns:a="http://schemas.openxmlformats.org/drawingml/2006/main" xmlns:r="http://schemas.openxmlformats.org/officeDocument/2006/relationships" xmlns:p="http://schemas.openxmlformats.org/presentationml/2006/main">
-  <p:cSld>
-    <p:bg>
-      <p:bgPr>
-        <a:solidFill>
-          <a:schemeClr val="bg1"/>
-        </a:solidFill>
-        <a:effectLst/>
-      </p:bgPr>
-    </p:bg>
-    <p:spTree>
-      <p:nvGrpSpPr>
-        <p:cNvPr id="1" name=""/>
-        <p:cNvGrpSpPr/>
-        <p:nvPr/>
-      </p:nvGrpSpPr>
-      <p:grpSpPr>
-        <a:xfrm>
-          <a:off x="0" y="0"/>
-          <a:ext cx="0" cy="0"/>
-          <a:chOff x="0" y="0"/>
-          <a:chExt cx="0" cy="0"/>
-        </a:xfrm>
-      </p:grpSpPr>
-      <p:sp>
-        <p:nvSpPr>
-          <p:cNvPr id="14" name="Freeform: Shape 13">
-            <a:extLst>
-              <a:ext uri="{FF2B5EF4-FFF2-40B4-BE49-F238E27FC236}">
-                <a16:creationId xmlns:a16="http://schemas.microsoft.com/office/drawing/2014/main" id="{46C2E80F-49A6-4372-B103-219D417A55ED}"/>
-              </a:ext>
-              <a:ext uri="{C183D7F6-B498-43B3-948B-1728B52AA6E4}">
-                <adec:decorative xmlns:adec="http://schemas.microsoft.com/office/drawing/2017/decorative" val="1"/>
-              </a:ext>
-            </a:extLst>
-          </p:cNvPr>
-          <p:cNvSpPr>
-            <a:spLocks noGrp="1" noRot="1" noChangeAspect="1" noMove="1" noResize="1" noEditPoints="1" noAdjustHandles="1" noChangeArrowheads="1" noChangeShapeType="1" noTextEdit="1"/>
-          </p:cNvSpPr>
-          <p:nvPr>
-            <p:extLst>
-              <p:ext uri="{386F3935-93C4-4BCD-93E2-E3B085C9AB24}">
-                <p16:designElem xmlns:p16="http://schemas.microsoft.com/office/powerpoint/2015/main" val="1"/>
-              </p:ext>
-            </p:extLst>
-          </p:nvPr>
-        </p:nvSpPr>
-        <p:spPr>
-          <a:xfrm>
-            <a:off x="484096" y="470925"/>
-            <a:ext cx="4381009" cy="5892104"/>
-          </a:xfrm>
-          <a:custGeom>
-            <a:avLst/>
-            <a:gdLst>
-              <a:gd name="connsiteX0" fmla="*/ 0 w 4381009"/>
-              <a:gd name="connsiteY0" fmla="*/ 0 h 5892104"/>
-              <a:gd name="connsiteX1" fmla="*/ 4157628 w 4381009"/>
-              <a:gd name="connsiteY1" fmla="*/ 0 h 5892104"/>
-              <a:gd name="connsiteX2" fmla="*/ 4169302 w 4381009"/>
-              <a:gd name="connsiteY2" fmla="*/ 68659 h 5892104"/>
-              <a:gd name="connsiteX3" fmla="*/ 4191571 w 4381009"/>
-              <a:gd name="connsiteY3" fmla="*/ 205472 h 5892104"/>
-              <a:gd name="connsiteX4" fmla="*/ 4213368 w 4381009"/>
-              <a:gd name="connsiteY4" fmla="*/ 342890 h 5892104"/>
-              <a:gd name="connsiteX5" fmla="*/ 4232030 w 4381009"/>
-              <a:gd name="connsiteY5" fmla="*/ 480913 h 5892104"/>
-              <a:gd name="connsiteX6" fmla="*/ 4250848 w 4381009"/>
-              <a:gd name="connsiteY6" fmla="*/ 618332 h 5892104"/>
-              <a:gd name="connsiteX7" fmla="*/ 4268412 w 4381009"/>
-              <a:gd name="connsiteY7" fmla="*/ 756355 h 5892104"/>
-              <a:gd name="connsiteX8" fmla="*/ 4283467 w 4381009"/>
-              <a:gd name="connsiteY8" fmla="*/ 892563 h 5892104"/>
-              <a:gd name="connsiteX9" fmla="*/ 4297737 w 4381009"/>
-              <a:gd name="connsiteY9" fmla="*/ 1030587 h 5892104"/>
-              <a:gd name="connsiteX10" fmla="*/ 4310754 w 4381009"/>
-              <a:gd name="connsiteY10" fmla="*/ 1168005 h 5892104"/>
-              <a:gd name="connsiteX11" fmla="*/ 4322045 w 4381009"/>
-              <a:gd name="connsiteY11" fmla="*/ 1303002 h 5892104"/>
-              <a:gd name="connsiteX12" fmla="*/ 4333336 w 4381009"/>
-              <a:gd name="connsiteY12" fmla="*/ 1439815 h 5892104"/>
-              <a:gd name="connsiteX13" fmla="*/ 4342745 w 4381009"/>
-              <a:gd name="connsiteY13" fmla="*/ 1574812 h 5892104"/>
-              <a:gd name="connsiteX14" fmla="*/ 4350115 w 4381009"/>
-              <a:gd name="connsiteY14" fmla="*/ 1709808 h 5892104"/>
-              <a:gd name="connsiteX15" fmla="*/ 4357799 w 4381009"/>
-              <a:gd name="connsiteY15" fmla="*/ 1844200 h 5892104"/>
-              <a:gd name="connsiteX16" fmla="*/ 4364229 w 4381009"/>
-              <a:gd name="connsiteY16" fmla="*/ 1977381 h 5892104"/>
-              <a:gd name="connsiteX17" fmla="*/ 4368777 w 4381009"/>
-              <a:gd name="connsiteY17" fmla="*/ 2109351 h 5892104"/>
-              <a:gd name="connsiteX18" fmla="*/ 4372697 w 4381009"/>
-              <a:gd name="connsiteY18" fmla="*/ 2241321 h 5892104"/>
-              <a:gd name="connsiteX19" fmla="*/ 4376461 w 4381009"/>
-              <a:gd name="connsiteY19" fmla="*/ 2372080 h 5892104"/>
-              <a:gd name="connsiteX20" fmla="*/ 4378186 w 4381009"/>
-              <a:gd name="connsiteY20" fmla="*/ 2501023 h 5892104"/>
-              <a:gd name="connsiteX21" fmla="*/ 4380068 w 4381009"/>
-              <a:gd name="connsiteY21" fmla="*/ 2629966 h 5892104"/>
-              <a:gd name="connsiteX22" fmla="*/ 4381009 w 4381009"/>
-              <a:gd name="connsiteY22" fmla="*/ 2757093 h 5892104"/>
-              <a:gd name="connsiteX23" fmla="*/ 4380068 w 4381009"/>
-              <a:gd name="connsiteY23" fmla="*/ 2883010 h 5892104"/>
-              <a:gd name="connsiteX24" fmla="*/ 4380068 w 4381009"/>
-              <a:gd name="connsiteY24" fmla="*/ 3007715 h 5892104"/>
-              <a:gd name="connsiteX25" fmla="*/ 4378186 w 4381009"/>
-              <a:gd name="connsiteY25" fmla="*/ 3131210 h 5892104"/>
-              <a:gd name="connsiteX26" fmla="*/ 4375363 w 4381009"/>
-              <a:gd name="connsiteY26" fmla="*/ 3252283 h 5892104"/>
-              <a:gd name="connsiteX27" fmla="*/ 4372697 w 4381009"/>
-              <a:gd name="connsiteY27" fmla="*/ 3372146 h 5892104"/>
-              <a:gd name="connsiteX28" fmla="*/ 4369718 w 4381009"/>
-              <a:gd name="connsiteY28" fmla="*/ 3489587 h 5892104"/>
-              <a:gd name="connsiteX29" fmla="*/ 4365170 w 4381009"/>
-              <a:gd name="connsiteY29" fmla="*/ 3606423 h 5892104"/>
-              <a:gd name="connsiteX30" fmla="*/ 4360309 w 4381009"/>
-              <a:gd name="connsiteY30" fmla="*/ 3721443 h 5892104"/>
-              <a:gd name="connsiteX31" fmla="*/ 4355918 w 4381009"/>
-              <a:gd name="connsiteY31" fmla="*/ 3834041 h 5892104"/>
-              <a:gd name="connsiteX32" fmla="*/ 4343529 w 4381009"/>
-              <a:gd name="connsiteY32" fmla="*/ 4053789 h 5892104"/>
-              <a:gd name="connsiteX33" fmla="*/ 4330356 w 4381009"/>
-              <a:gd name="connsiteY33" fmla="*/ 4264457 h 5892104"/>
-              <a:gd name="connsiteX34" fmla="*/ 4316556 w 4381009"/>
-              <a:gd name="connsiteY34" fmla="*/ 4466650 h 5892104"/>
-              <a:gd name="connsiteX35" fmla="*/ 4301344 w 4381009"/>
-              <a:gd name="connsiteY35" fmla="*/ 4657946 h 5892104"/>
-              <a:gd name="connsiteX36" fmla="*/ 4285506 w 4381009"/>
-              <a:gd name="connsiteY36" fmla="*/ 4840767 h 5892104"/>
-              <a:gd name="connsiteX37" fmla="*/ 4268412 w 4381009"/>
-              <a:gd name="connsiteY37" fmla="*/ 5010269 h 5892104"/>
-              <a:gd name="connsiteX38" fmla="*/ 4251633 w 4381009"/>
-              <a:gd name="connsiteY38" fmla="*/ 5169481 h 5892104"/>
-              <a:gd name="connsiteX39" fmla="*/ 4234853 w 4381009"/>
-              <a:gd name="connsiteY39" fmla="*/ 5315980 h 5892104"/>
-              <a:gd name="connsiteX40" fmla="*/ 4219014 w 4381009"/>
-              <a:gd name="connsiteY40" fmla="*/ 5450371 h 5892104"/>
-              <a:gd name="connsiteX41" fmla="*/ 4203959 w 4381009"/>
-              <a:gd name="connsiteY41" fmla="*/ 5569628 h 5892104"/>
-              <a:gd name="connsiteX42" fmla="*/ 4189689 w 4381009"/>
-              <a:gd name="connsiteY42" fmla="*/ 5677384 h 5892104"/>
-              <a:gd name="connsiteX43" fmla="*/ 4177770 w 4381009"/>
-              <a:gd name="connsiteY43" fmla="*/ 5768189 h 5892104"/>
-              <a:gd name="connsiteX44" fmla="*/ 4166479 w 4381009"/>
-              <a:gd name="connsiteY44" fmla="*/ 5844465 h 5892104"/>
-              <a:gd name="connsiteX45" fmla="*/ 4159132 w 4381009"/>
-              <a:gd name="connsiteY45" fmla="*/ 5892104 h 5892104"/>
-              <a:gd name="connsiteX46" fmla="*/ 0 w 4381009"/>
-              <a:gd name="connsiteY46" fmla="*/ 5892104 h 5892104"/>
-            </a:gdLst>
-            <a:ahLst/>
-            <a:cxnLst>
-              <a:cxn ang="0">
-                <a:pos x="connsiteX0" y="connsiteY0"/>
-              </a:cxn>
-              <a:cxn ang="0">
-                <a:pos x="connsiteX1" y="connsiteY1"/>
-              </a:cxn>
-              <a:cxn ang="0">
-                <a:pos x="connsiteX2" y="connsiteY2"/>
-              </a:cxn>
-              <a:cxn ang="0">
-                <a:pos x="connsiteX3" y="connsiteY3"/>
-              </a:cxn>
-              <a:cxn ang="0">
-                <a:pos x="connsiteX4" y="connsiteY4"/>
-              </a:cxn>
-              <a:cxn ang="0">
-                <a:pos x="connsiteX5" y="connsiteY5"/>
-              </a:cxn>
-              <a:cxn ang="0">
-                <a:pos x="connsiteX6" y="connsiteY6"/>
-              </a:cxn>
-              <a:cxn ang="0">
-                <a:pos x="connsiteX7" y="connsiteY7"/>
-              </a:cxn>
-              <a:cxn ang="0">
-                <a:pos x="connsiteX8" y="connsiteY8"/>
-              </a:cxn>
-              <a:cxn ang="0">
-                <a:pos x="connsiteX9" y="connsiteY9"/>
-              </a:cxn>
-              <a:cxn ang="0">
-                <a:pos x="connsiteX10" y="connsiteY10"/>
-              </a:cxn>
-              <a:cxn ang="0">
-                <a:pos x="connsiteX11" y="connsiteY11"/>
-              </a:cxn>
-              <a:cxn ang="0">
-                <a:pos x="connsiteX12" y="connsiteY12"/>
-              </a:cxn>
-              <a:cxn ang="0">
-                <a:pos x="connsiteX13" y="connsiteY13"/>
-              </a:cxn>
-              <a:cxn ang="0">
-                <a:pos x="connsiteX14" y="connsiteY14"/>
-              </a:cxn>
-              <a:cxn ang="0">
-                <a:pos x="connsiteX15" y="connsiteY15"/>
-              </a:cxn>
-              <a:cxn ang="0">
-                <a:pos x="connsiteX16" y="connsiteY16"/>
-              </a:cxn>
-              <a:cxn ang="0">
-                <a:pos x="connsiteX17" y="connsiteY17"/>
-              </a:cxn>
-              <a:cxn ang="0">
-                <a:pos x="connsiteX18" y="connsiteY18"/>
-              </a:cxn>
-              <a:cxn ang="0">
-                <a:pos x="connsiteX19" y="connsiteY19"/>
-              </a:cxn>
-              <a:cxn ang="0">
-                <a:pos x="connsiteX20" y="connsiteY20"/>
-              </a:cxn>
-              <a:cxn ang="0">
-                <a:pos x="connsiteX21" y="connsiteY21"/>
-              </a:cxn>
-              <a:cxn ang="0">
-                <a:pos x="connsiteX22" y="connsiteY22"/>
-              </a:cxn>
-              <a:cxn ang="0">
-                <a:pos x="connsiteX23" y="connsiteY23"/>
-              </a:cxn>
-              <a:cxn ang="0">
-                <a:pos x="connsiteX24" y="connsiteY24"/>
-              </a:cxn>
-              <a:cxn ang="0">
-                <a:pos x="connsiteX25" y="connsiteY25"/>
-              </a:cxn>
-              <a:cxn ang="0">
-                <a:pos x="connsiteX26" y="connsiteY26"/>
-              </a:cxn>
-              <a:cxn ang="0">
-                <a:pos x="connsiteX27" y="connsiteY27"/>
-              </a:cxn>
-              <a:cxn ang="0">
-                <a:pos x="connsiteX28" y="connsiteY28"/>
-              </a:cxn>
-              <a:cxn ang="0">
-                <a:pos x="connsiteX29" y="connsiteY29"/>
-              </a:cxn>
-              <a:cxn ang="0">
-                <a:pos x="connsiteX30" y="connsiteY30"/>
-              </a:cxn>
-              <a:cxn ang="0">
-                <a:pos x="connsiteX31" y="connsiteY31"/>
-              </a:cxn>
-              <a:cxn ang="0">
-                <a:pos x="connsiteX32" y="connsiteY32"/>
-              </a:cxn>
-              <a:cxn ang="0">
-                <a:pos x="connsiteX33" y="connsiteY33"/>
-              </a:cxn>
-              <a:cxn ang="0">
-                <a:pos x="connsiteX34" y="connsiteY34"/>
-              </a:cxn>
-              <a:cxn ang="0">
-                <a:pos x="connsiteX35" y="connsiteY35"/>
-              </a:cxn>
-              <a:cxn ang="0">
-                <a:pos x="connsiteX36" y="connsiteY36"/>
-              </a:cxn>
-              <a:cxn ang="0">
-                <a:pos x="connsiteX37" y="connsiteY37"/>
-              </a:cxn>
-              <a:cxn ang="0">
-                <a:pos x="connsiteX38" y="connsiteY38"/>
-              </a:cxn>
-              <a:cxn ang="0">
-                <a:pos x="connsiteX39" y="connsiteY39"/>
-              </a:cxn>
-              <a:cxn ang="0">
-                <a:pos x="connsiteX40" y="connsiteY40"/>
-              </a:cxn>
-              <a:cxn ang="0">
-                <a:pos x="connsiteX41" y="connsiteY41"/>
-              </a:cxn>
-              <a:cxn ang="0">
-                <a:pos x="connsiteX42" y="connsiteY42"/>
-              </a:cxn>
-              <a:cxn ang="0">
-                <a:pos x="connsiteX43" y="connsiteY43"/>
-              </a:cxn>
-              <a:cxn ang="0">
-                <a:pos x="connsiteX44" y="connsiteY44"/>
-              </a:cxn>
-              <a:cxn ang="0">
-                <a:pos x="connsiteX45" y="connsiteY45"/>
-              </a:cxn>
-              <a:cxn ang="0">
-                <a:pos x="connsiteX46" y="connsiteY46"/>
-              </a:cxn>
-            </a:cxnLst>
-            <a:rect l="l" t="t" r="r" b="b"/>
-            <a:pathLst>
-              <a:path w="4381009" h="5892104">
-                <a:moveTo>
-                  <a:pt x="0" y="0"/>
-                </a:moveTo>
-                <a:lnTo>
-                  <a:pt x="4157628" y="0"/>
-                </a:lnTo>
-                <a:lnTo>
-                  <a:pt x="4169302" y="68659"/>
-                </a:lnTo>
-                <a:lnTo>
-                  <a:pt x="4191571" y="205472"/>
-                </a:lnTo>
-                <a:lnTo>
-                  <a:pt x="4213368" y="342890"/>
-                </a:lnTo>
-                <a:lnTo>
-                  <a:pt x="4232030" y="480913"/>
-                </a:lnTo>
-                <a:lnTo>
-                  <a:pt x="4250848" y="618332"/>
-                </a:lnTo>
-                <a:lnTo>
-                  <a:pt x="4268412" y="756355"/>
-                </a:lnTo>
-                <a:lnTo>
-                  <a:pt x="4283467" y="892563"/>
-                </a:lnTo>
-                <a:lnTo>
-                  <a:pt x="4297737" y="1030587"/>
-                </a:lnTo>
-                <a:lnTo>
-                  <a:pt x="4310754" y="1168005"/>
-                </a:lnTo>
-                <a:lnTo>
-                  <a:pt x="4322045" y="1303002"/>
-                </a:lnTo>
-                <a:lnTo>
-                  <a:pt x="4333336" y="1439815"/>
-                </a:lnTo>
-                <a:lnTo>
-                  <a:pt x="4342745" y="1574812"/>
-                </a:lnTo>
-                <a:lnTo>
-                  <a:pt x="4350115" y="1709808"/>
-                </a:lnTo>
-                <a:lnTo>
-                  <a:pt x="4357799" y="1844200"/>
-                </a:lnTo>
-                <a:lnTo>
-                  <a:pt x="4364229" y="1977381"/>
-                </a:lnTo>
-                <a:lnTo>
-                  <a:pt x="4368777" y="2109351"/>
-                </a:lnTo>
-                <a:lnTo>
-                  <a:pt x="4372697" y="2241321"/>
-                </a:lnTo>
-                <a:lnTo>
-                  <a:pt x="4376461" y="2372080"/>
-                </a:lnTo>
-                <a:lnTo>
-                  <a:pt x="4378186" y="2501023"/>
-                </a:lnTo>
-                <a:lnTo>
-                  <a:pt x="4380068" y="2629966"/>
-                </a:lnTo>
-                <a:lnTo>
-                  <a:pt x="4381009" y="2757093"/>
-                </a:lnTo>
-                <a:lnTo>
-                  <a:pt x="4380068" y="2883010"/>
-                </a:lnTo>
-                <a:lnTo>
-                  <a:pt x="4380068" y="3007715"/>
-                </a:lnTo>
-                <a:lnTo>
-                  <a:pt x="4378186" y="3131210"/>
-                </a:lnTo>
-                <a:lnTo>
-                  <a:pt x="4375363" y="3252283"/>
-                </a:lnTo>
-                <a:lnTo>
-                  <a:pt x="4372697" y="3372146"/>
-                </a:lnTo>
-                <a:lnTo>
-                  <a:pt x="4369718" y="3489587"/>
-                </a:lnTo>
-                <a:lnTo>
-                  <a:pt x="4365170" y="3606423"/>
-                </a:lnTo>
-                <a:lnTo>
-                  <a:pt x="4360309" y="3721443"/>
-                </a:lnTo>
-                <a:lnTo>
-                  <a:pt x="4355918" y="3834041"/>
-                </a:lnTo>
-                <a:lnTo>
-                  <a:pt x="4343529" y="4053789"/>
-                </a:lnTo>
-                <a:lnTo>
-                  <a:pt x="4330356" y="4264457"/>
-                </a:lnTo>
-                <a:lnTo>
-                  <a:pt x="4316556" y="4466650"/>
-                </a:lnTo>
-                <a:lnTo>
-                  <a:pt x="4301344" y="4657946"/>
-                </a:lnTo>
-                <a:lnTo>
-                  <a:pt x="4285506" y="4840767"/>
-                </a:lnTo>
-                <a:lnTo>
-                  <a:pt x="4268412" y="5010269"/>
-                </a:lnTo>
-                <a:lnTo>
-                  <a:pt x="4251633" y="5169481"/>
-                </a:lnTo>
-                <a:lnTo>
-                  <a:pt x="4234853" y="5315980"/>
-                </a:lnTo>
-                <a:lnTo>
-                  <a:pt x="4219014" y="5450371"/>
-                </a:lnTo>
-                <a:lnTo>
-                  <a:pt x="4203959" y="5569628"/>
-                </a:lnTo>
-                <a:lnTo>
-                  <a:pt x="4189689" y="5677384"/>
-                </a:lnTo>
-                <a:lnTo>
-                  <a:pt x="4177770" y="5768189"/>
-                </a:lnTo>
-                <a:lnTo>
-                  <a:pt x="4166479" y="5844465"/>
-                </a:lnTo>
-                <a:lnTo>
-                  <a:pt x="4159132" y="5892104"/>
-                </a:lnTo>
-                <a:lnTo>
-                  <a:pt x="0" y="5892104"/>
-                </a:lnTo>
-                <a:close/>
-              </a:path>
-            </a:pathLst>
-          </a:custGeom>
-          <a:solidFill>
-            <a:srgbClr val="404040"/>
-          </a:solidFill>
-          <a:ln>
-            <a:noFill/>
-          </a:ln>
-        </p:spPr>
-        <p:style>
-          <a:lnRef idx="2">
-            <a:schemeClr val="accent1">
-              <a:shade val="50000"/>
-            </a:schemeClr>
-          </a:lnRef>
-          <a:fillRef idx="1">
-            <a:schemeClr val="accent1"/>
-          </a:fillRef>
-          <a:effectRef idx="0">
-            <a:schemeClr val="accent1"/>
-          </a:effectRef>
-          <a:fontRef idx="minor">
-            <a:schemeClr val="lt1"/>
-          </a:fontRef>
-        </p:style>
-        <p:txBody>
-          <a:bodyPr wrap="square" rtlCol="0" anchor="ctr">
-            <a:noAutofit/>
-          </a:bodyPr>
-          <a:lstStyle/>
-          <a:p>
-            <a:pPr marL="0" marR="0" lvl="0" indent="0" algn="ctr" defTabSz="457200" rtl="0" eaLnBrk="1" fontAlgn="auto" latinLnBrk="0" hangingPunct="1">
-              <a:lnSpc>
-                <a:spcPct val="100000"/>
-              </a:lnSpc>
-              <a:spcBef>
-                <a:spcPts val="0"/>
-              </a:spcBef>
-              <a:spcAft>
-                <a:spcPts val="0"/>
-              </a:spcAft>
-              <a:buClrTx/>
-              <a:buSzTx/>
-              <a:buFontTx/>
-              <a:buNone/>
-              <a:tabLst/>
-              <a:defRPr/>
-            </a:pPr>
-            <a:endParaRPr kumimoji="0" lang="en-US" sz="1800" b="0" i="0" u="none" strike="noStrike" kern="1200" cap="none" spc="0" normalizeH="0" baseline="0" noProof="0">
-              <a:ln>
-                <a:noFill/>
-              </a:ln>
-              <a:solidFill>
-                <a:prstClr val="white"/>
-              </a:solidFill>
-              <a:effectLst/>
-              <a:uLnTx/>
-              <a:uFillTx/>
-              <a:latin typeface="Calibri" panose="020F0502020204030204"/>
-              <a:ea typeface="+mn-ea"/>
-              <a:cs typeface="+mn-cs"/>
-            </a:endParaRPr>
-          </a:p>
-        </p:txBody>
-      </p:sp>
-      <p:sp>
-        <p:nvSpPr>
-          <p:cNvPr id="5" name="Title 4">
-            <a:extLst>
-              <a:ext uri="{FF2B5EF4-FFF2-40B4-BE49-F238E27FC236}">
-                <a16:creationId xmlns:a16="http://schemas.microsoft.com/office/drawing/2014/main" id="{8D800488-8D4F-4FBD-B61E-8F3B75B7B3D8}"/>
-              </a:ext>
-            </a:extLst>
-          </p:cNvPr>
-          <p:cNvSpPr>
-            <a:spLocks noGrp="1"/>
-          </p:cNvSpPr>
-          <p:nvPr>
-            <p:ph type="title"/>
-          </p:nvPr>
-        </p:nvSpPr>
-        <p:spPr>
-          <a:xfrm>
-            <a:off x="863029" y="1012004"/>
-            <a:ext cx="3416158" cy="4795408"/>
-          </a:xfrm>
-        </p:spPr>
-        <p:txBody>
-          <a:bodyPr>
-            <a:normAutofit/>
-          </a:bodyPr>
-          <a:lstStyle/>
-          <a:p>
-            <a:r>
-              <a:rPr lang="en-US">
-                <a:solidFill>
-                  <a:srgbClr val="FFFFFF"/>
-                </a:solidFill>
-              </a:rPr>
-              <a:t>Why?</a:t>
-            </a:r>
-          </a:p>
-        </p:txBody>
-      </p:sp>
-      <p:graphicFrame>
-        <p:nvGraphicFramePr>
-          <p:cNvPr id="9" name="Content Placeholder 6">
-            <a:extLst>
-              <a:ext uri="{FF2B5EF4-FFF2-40B4-BE49-F238E27FC236}">
-                <a16:creationId xmlns:a16="http://schemas.microsoft.com/office/drawing/2014/main" id="{DB11A58A-C759-4C06-A951-F7CBEE44BEA8}"/>
-              </a:ext>
-            </a:extLst>
-          </p:cNvPr>
-          <p:cNvGraphicFramePr>
-            <a:graphicFrameLocks noGrp="1"/>
-          </p:cNvGraphicFramePr>
-          <p:nvPr>
-            <p:ph idx="1"/>
-            <p:extLst>
-              <p:ext uri="{D42A27DB-BD31-4B8C-83A1-F6EECF244321}">
-                <p14:modId xmlns:p14="http://schemas.microsoft.com/office/powerpoint/2010/main" val="1471411003"/>
-              </p:ext>
-            </p:extLst>
-          </p:nvPr>
-        </p:nvGraphicFramePr>
-        <p:xfrm>
-          <a:off x="5194300" y="470924"/>
-          <a:ext cx="6513604" cy="5885426"/>
-        </p:xfrm>
-        <a:graphic>
-          <a:graphicData uri="http://schemas.openxmlformats.org/drawingml/2006/diagram">
-            <dgm:relIds xmlns:dgm="http://schemas.openxmlformats.org/drawingml/2006/diagram" xmlns:r="http://schemas.openxmlformats.org/officeDocument/2006/relationships" r:dm="rId2" r:lo="rId3" r:qs="rId4" r:cs="rId5"/>
-          </a:graphicData>
-        </a:graphic>
-      </p:graphicFrame>
-    </p:spTree>
-    <p:extLst>
-      <p:ext uri="{BB962C8B-B14F-4D97-AF65-F5344CB8AC3E}">
-        <p14:creationId xmlns:p14="http://schemas.microsoft.com/office/powerpoint/2010/main" val="2076248262"/>
       </p:ext>
     </p:extLst>
   </p:cSld>

--- a/Docs/Azure Marketplace SaaS Integration overview.pptx
+++ b/Docs/Azure Marketplace SaaS Integration overview.pptx
@@ -10388,13 +10388,18 @@
           <a:lstStyle/>
           <a:p>
             <a:r>
-              <a:rPr lang="en-US" dirty="0">
+              <a:rPr lang="en-US">
                 <a:solidFill>
                   <a:srgbClr val="FFFFFF"/>
                 </a:solidFill>
               </a:rPr>
-              <a:t>Why?</a:t>
+              <a:t>Goals</a:t>
             </a:r>
+            <a:endParaRPr lang="en-US" dirty="0">
+              <a:solidFill>
+                <a:srgbClr val="FFFFFF"/>
+              </a:solidFill>
+            </a:endParaRPr>
           </a:p>
         </p:txBody>
       </p:sp>

--- a/Docs/Azure Marketplace SaaS Integration overview.pptx
+++ b/Docs/Azure Marketplace SaaS Integration overview.pptx
@@ -6119,7 +6119,7 @@
           <a:p>
             <a:fld id="{FB9E0EC2-E6CF-4C59-B7BE-6DC3ABAA7ED0}" type="datetimeFigureOut">
               <a:rPr lang="en-US" smtClean="0"/>
-              <a:t>9/17/2019</a:t>
+              <a:t>9/18/2019</a:t>
             </a:fld>
             <a:endParaRPr lang="en-US"/>
           </a:p>
@@ -6317,7 +6317,7 @@
           <a:p>
             <a:fld id="{FB9E0EC2-E6CF-4C59-B7BE-6DC3ABAA7ED0}" type="datetimeFigureOut">
               <a:rPr lang="en-US" smtClean="0"/>
-              <a:t>9/17/2019</a:t>
+              <a:t>9/18/2019</a:t>
             </a:fld>
             <a:endParaRPr lang="en-US"/>
           </a:p>
@@ -6525,7 +6525,7 @@
           <a:p>
             <a:fld id="{FB9E0EC2-E6CF-4C59-B7BE-6DC3ABAA7ED0}" type="datetimeFigureOut">
               <a:rPr lang="en-US" smtClean="0"/>
-              <a:t>9/17/2019</a:t>
+              <a:t>9/18/2019</a:t>
             </a:fld>
             <a:endParaRPr lang="en-US"/>
           </a:p>
@@ -6723,7 +6723,7 @@
           <a:p>
             <a:fld id="{FB9E0EC2-E6CF-4C59-B7BE-6DC3ABAA7ED0}" type="datetimeFigureOut">
               <a:rPr lang="en-US" smtClean="0"/>
-              <a:t>9/17/2019</a:t>
+              <a:t>9/18/2019</a:t>
             </a:fld>
             <a:endParaRPr lang="en-US"/>
           </a:p>
@@ -6998,7 +6998,7 @@
           <a:p>
             <a:fld id="{FB9E0EC2-E6CF-4C59-B7BE-6DC3ABAA7ED0}" type="datetimeFigureOut">
               <a:rPr lang="en-US" smtClean="0"/>
-              <a:t>9/17/2019</a:t>
+              <a:t>9/18/2019</a:t>
             </a:fld>
             <a:endParaRPr lang="en-US"/>
           </a:p>
@@ -7263,7 +7263,7 @@
           <a:p>
             <a:fld id="{FB9E0EC2-E6CF-4C59-B7BE-6DC3ABAA7ED0}" type="datetimeFigureOut">
               <a:rPr lang="en-US" smtClean="0"/>
-              <a:t>9/17/2019</a:t>
+              <a:t>9/18/2019</a:t>
             </a:fld>
             <a:endParaRPr lang="en-US"/>
           </a:p>
@@ -7675,7 +7675,7 @@
           <a:p>
             <a:fld id="{FB9E0EC2-E6CF-4C59-B7BE-6DC3ABAA7ED0}" type="datetimeFigureOut">
               <a:rPr lang="en-US" smtClean="0"/>
-              <a:t>9/17/2019</a:t>
+              <a:t>9/18/2019</a:t>
             </a:fld>
             <a:endParaRPr lang="en-US"/>
           </a:p>
@@ -7816,7 +7816,7 @@
           <a:p>
             <a:fld id="{FB9E0EC2-E6CF-4C59-B7BE-6DC3ABAA7ED0}" type="datetimeFigureOut">
               <a:rPr lang="en-US" smtClean="0"/>
-              <a:t>9/17/2019</a:t>
+              <a:t>9/18/2019</a:t>
             </a:fld>
             <a:endParaRPr lang="en-US"/>
           </a:p>
@@ -7929,7 +7929,7 @@
           <a:p>
             <a:fld id="{FB9E0EC2-E6CF-4C59-B7BE-6DC3ABAA7ED0}" type="datetimeFigureOut">
               <a:rPr lang="en-US" smtClean="0"/>
-              <a:t>9/17/2019</a:t>
+              <a:t>9/18/2019</a:t>
             </a:fld>
             <a:endParaRPr lang="en-US"/>
           </a:p>
@@ -8240,7 +8240,7 @@
           <a:p>
             <a:fld id="{FB9E0EC2-E6CF-4C59-B7BE-6DC3ABAA7ED0}" type="datetimeFigureOut">
               <a:rPr lang="en-US" smtClean="0"/>
-              <a:t>9/17/2019</a:t>
+              <a:t>9/18/2019</a:t>
             </a:fld>
             <a:endParaRPr lang="en-US"/>
           </a:p>
@@ -8528,7 +8528,7 @@
           <a:p>
             <a:fld id="{FB9E0EC2-E6CF-4C59-B7BE-6DC3ABAA7ED0}" type="datetimeFigureOut">
               <a:rPr lang="en-US" smtClean="0"/>
-              <a:t>9/17/2019</a:t>
+              <a:t>9/18/2019</a:t>
             </a:fld>
             <a:endParaRPr lang="en-US"/>
           </a:p>
@@ -8769,7 +8769,7 @@
           <a:p>
             <a:fld id="{FB9E0EC2-E6CF-4C59-B7BE-6DC3ABAA7ED0}" type="datetimeFigureOut">
               <a:rPr lang="en-US" smtClean="0"/>
-              <a:t>9/17/2019</a:t>
+              <a:t>9/18/2019</a:t>
             </a:fld>
             <a:endParaRPr lang="en-US"/>
           </a:p>
@@ -12314,7 +12314,7 @@
         </p:nvGrpSpPr>
         <p:grpSpPr>
           <a:xfrm flipH="1">
-            <a:off x="4536210" y="2696200"/>
+            <a:off x="4534425" y="2420073"/>
             <a:ext cx="1583121" cy="307777"/>
             <a:chOff x="1073601" y="2107982"/>
             <a:chExt cx="1714960" cy="307777"/>
@@ -13955,7 +13955,7 @@
         </p:nvGrpSpPr>
         <p:grpSpPr>
           <a:xfrm flipH="1">
-            <a:off x="953265" y="2179296"/>
+            <a:off x="951831" y="2627076"/>
             <a:ext cx="5157898" cy="307777"/>
             <a:chOff x="1073601" y="2133392"/>
             <a:chExt cx="1714960" cy="307777"/>
@@ -14053,7 +14053,7 @@
         </p:nvGrpSpPr>
         <p:grpSpPr>
           <a:xfrm>
-            <a:off x="962509" y="2418153"/>
+            <a:off x="961075" y="2865933"/>
             <a:ext cx="5156821" cy="307777"/>
             <a:chOff x="1073601" y="2081111"/>
             <a:chExt cx="1714960" cy="307777"/>
@@ -14116,7 +14116,7 @@
           <p:spPr>
             <a:xfrm>
               <a:off x="1116816" y="2081111"/>
-              <a:ext cx="820292" cy="307777"/>
+              <a:ext cx="295528" cy="307777"/>
             </a:xfrm>
             <a:prstGeom prst="rect">
               <a:avLst/>
@@ -14131,7 +14131,7 @@
             <a:p>
               <a:r>
                 <a:rPr lang="en-US" sz="1400" dirty="0"/>
-                <a:t>Redirect to landing page</a:t>
+                <a:t>Post form</a:t>
               </a:r>
             </a:p>
           </p:txBody>
@@ -14151,7 +14151,7 @@
         </p:nvGrpSpPr>
         <p:grpSpPr>
           <a:xfrm>
-            <a:off x="6111314" y="2781315"/>
+            <a:off x="6102320" y="2294771"/>
             <a:ext cx="1093646" cy="307777"/>
             <a:chOff x="1073601" y="2084852"/>
             <a:chExt cx="1714960" cy="307777"/>
@@ -14881,7 +14881,7 @@
         </p:nvGrpSpPr>
         <p:grpSpPr>
           <a:xfrm flipH="1">
-            <a:off x="4512879" y="2847251"/>
+            <a:off x="4519619" y="2289164"/>
             <a:ext cx="1583121" cy="307777"/>
             <a:chOff x="1073601" y="2107982"/>
             <a:chExt cx="1714960" cy="307777"/>
@@ -16024,7 +16024,7 @@
         </p:nvGrpSpPr>
         <p:grpSpPr>
           <a:xfrm flipH="1">
-            <a:off x="953265" y="2309084"/>
+            <a:off x="941874" y="2545123"/>
             <a:ext cx="5157898" cy="307777"/>
             <a:chOff x="1073601" y="2133392"/>
             <a:chExt cx="1714960" cy="307777"/>
@@ -16122,7 +16122,7 @@
         </p:nvGrpSpPr>
         <p:grpSpPr>
           <a:xfrm>
-            <a:off x="962509" y="2547941"/>
+            <a:off x="952618" y="2760565"/>
             <a:ext cx="5156821" cy="307777"/>
             <a:chOff x="1073601" y="2081111"/>
             <a:chExt cx="1714960" cy="307777"/>
@@ -16185,7 +16185,7 @@
           <p:spPr>
             <a:xfrm>
               <a:off x="1116816" y="2081111"/>
-              <a:ext cx="820292" cy="307777"/>
+              <a:ext cx="295528" cy="307777"/>
             </a:xfrm>
             <a:prstGeom prst="rect">
               <a:avLst/>
@@ -16200,7 +16200,7 @@
             <a:p>
               <a:r>
                 <a:rPr lang="en-US" sz="1400" dirty="0"/>
-                <a:t>Redirect to landing page</a:t>
+                <a:t>Post form</a:t>
               </a:r>
             </a:p>
           </p:txBody>

--- a/Docs/Azure Marketplace SaaS Integration overview.pptx
+++ b/Docs/Azure Marketplace SaaS Integration overview.pptx
@@ -8,9 +8,10 @@
     <p:sldId id="256" r:id="rId2"/>
     <p:sldId id="258" r:id="rId3"/>
     <p:sldId id="257" r:id="rId4"/>
-    <p:sldId id="259" r:id="rId5"/>
-    <p:sldId id="260" r:id="rId6"/>
-    <p:sldId id="261" r:id="rId7"/>
+    <p:sldId id="262" r:id="rId5"/>
+    <p:sldId id="259" r:id="rId6"/>
+    <p:sldId id="260" r:id="rId7"/>
+    <p:sldId id="261" r:id="rId8"/>
   </p:sldIdLst>
   <p:sldSz cx="12192000" cy="6858000"/>
   <p:notesSz cx="6858000" cy="9144000"/>
@@ -6119,7 +6120,7 @@
           <a:p>
             <a:fld id="{FB9E0EC2-E6CF-4C59-B7BE-6DC3ABAA7ED0}" type="datetimeFigureOut">
               <a:rPr lang="en-US" smtClean="0"/>
-              <a:t>9/18/2019</a:t>
+              <a:t>10/4/2019</a:t>
             </a:fld>
             <a:endParaRPr lang="en-US"/>
           </a:p>
@@ -6317,7 +6318,7 @@
           <a:p>
             <a:fld id="{FB9E0EC2-E6CF-4C59-B7BE-6DC3ABAA7ED0}" type="datetimeFigureOut">
               <a:rPr lang="en-US" smtClean="0"/>
-              <a:t>9/18/2019</a:t>
+              <a:t>10/4/2019</a:t>
             </a:fld>
             <a:endParaRPr lang="en-US"/>
           </a:p>
@@ -6525,7 +6526,7 @@
           <a:p>
             <a:fld id="{FB9E0EC2-E6CF-4C59-B7BE-6DC3ABAA7ED0}" type="datetimeFigureOut">
               <a:rPr lang="en-US" smtClean="0"/>
-              <a:t>9/18/2019</a:t>
+              <a:t>10/4/2019</a:t>
             </a:fld>
             <a:endParaRPr lang="en-US"/>
           </a:p>
@@ -6723,7 +6724,7 @@
           <a:p>
             <a:fld id="{FB9E0EC2-E6CF-4C59-B7BE-6DC3ABAA7ED0}" type="datetimeFigureOut">
               <a:rPr lang="en-US" smtClean="0"/>
-              <a:t>9/18/2019</a:t>
+              <a:t>10/4/2019</a:t>
             </a:fld>
             <a:endParaRPr lang="en-US"/>
           </a:p>
@@ -6998,7 +6999,7 @@
           <a:p>
             <a:fld id="{FB9E0EC2-E6CF-4C59-B7BE-6DC3ABAA7ED0}" type="datetimeFigureOut">
               <a:rPr lang="en-US" smtClean="0"/>
-              <a:t>9/18/2019</a:t>
+              <a:t>10/4/2019</a:t>
             </a:fld>
             <a:endParaRPr lang="en-US"/>
           </a:p>
@@ -7263,7 +7264,7 @@
           <a:p>
             <a:fld id="{FB9E0EC2-E6CF-4C59-B7BE-6DC3ABAA7ED0}" type="datetimeFigureOut">
               <a:rPr lang="en-US" smtClean="0"/>
-              <a:t>9/18/2019</a:t>
+              <a:t>10/4/2019</a:t>
             </a:fld>
             <a:endParaRPr lang="en-US"/>
           </a:p>
@@ -7675,7 +7676,7 @@
           <a:p>
             <a:fld id="{FB9E0EC2-E6CF-4C59-B7BE-6DC3ABAA7ED0}" type="datetimeFigureOut">
               <a:rPr lang="en-US" smtClean="0"/>
-              <a:t>9/18/2019</a:t>
+              <a:t>10/4/2019</a:t>
             </a:fld>
             <a:endParaRPr lang="en-US"/>
           </a:p>
@@ -7816,7 +7817,7 @@
           <a:p>
             <a:fld id="{FB9E0EC2-E6CF-4C59-B7BE-6DC3ABAA7ED0}" type="datetimeFigureOut">
               <a:rPr lang="en-US" smtClean="0"/>
-              <a:t>9/18/2019</a:t>
+              <a:t>10/4/2019</a:t>
             </a:fld>
             <a:endParaRPr lang="en-US"/>
           </a:p>
@@ -7929,7 +7930,7 @@
           <a:p>
             <a:fld id="{FB9E0EC2-E6CF-4C59-B7BE-6DC3ABAA7ED0}" type="datetimeFigureOut">
               <a:rPr lang="en-US" smtClean="0"/>
-              <a:t>9/18/2019</a:t>
+              <a:t>10/4/2019</a:t>
             </a:fld>
             <a:endParaRPr lang="en-US"/>
           </a:p>
@@ -8240,7 +8241,7 @@
           <a:p>
             <a:fld id="{FB9E0EC2-E6CF-4C59-B7BE-6DC3ABAA7ED0}" type="datetimeFigureOut">
               <a:rPr lang="en-US" smtClean="0"/>
-              <a:t>9/18/2019</a:t>
+              <a:t>10/4/2019</a:t>
             </a:fld>
             <a:endParaRPr lang="en-US"/>
           </a:p>
@@ -8528,7 +8529,7 @@
           <a:p>
             <a:fld id="{FB9E0EC2-E6CF-4C59-B7BE-6DC3ABAA7ED0}" type="datetimeFigureOut">
               <a:rPr lang="en-US" smtClean="0"/>
-              <a:t>9/18/2019</a:t>
+              <a:t>10/4/2019</a:t>
             </a:fld>
             <a:endParaRPr lang="en-US"/>
           </a:p>
@@ -8769,7 +8770,7 @@
           <a:p>
             <a:fld id="{FB9E0EC2-E6CF-4C59-B7BE-6DC3ABAA7ED0}" type="datetimeFigureOut">
               <a:rPr lang="en-US" smtClean="0"/>
-              <a:t>9/18/2019</a:t>
+              <a:t>10/4/2019</a:t>
             </a:fld>
             <a:endParaRPr lang="en-US"/>
           </a:p>
@@ -11610,6 +11611,1442 @@
       </p:grpSpPr>
       <p:sp>
         <p:nvSpPr>
+          <p:cNvPr id="4" name="Rectangle: Rounded Corners 3">
+            <a:extLst>
+              <a:ext uri="{FF2B5EF4-FFF2-40B4-BE49-F238E27FC236}">
+                <a16:creationId xmlns:a16="http://schemas.microsoft.com/office/drawing/2014/main" id="{DFC8EA19-25BB-4C52-A07F-AC60D4FEAE8B}"/>
+              </a:ext>
+            </a:extLst>
+          </p:cNvPr>
+          <p:cNvSpPr/>
+          <p:nvPr/>
+        </p:nvSpPr>
+        <p:spPr>
+          <a:xfrm>
+            <a:off x="1468770" y="2969008"/>
+            <a:ext cx="1728204" cy="1562141"/>
+          </a:xfrm>
+          <a:prstGeom prst="roundRect">
+            <a:avLst/>
+          </a:prstGeom>
+          <a:noFill/>
+          <a:ln>
+            <a:solidFill>
+              <a:schemeClr val="tx1"/>
+            </a:solidFill>
+          </a:ln>
+        </p:spPr>
+        <p:style>
+          <a:lnRef idx="2">
+            <a:schemeClr val="accent1">
+              <a:shade val="50000"/>
+            </a:schemeClr>
+          </a:lnRef>
+          <a:fillRef idx="1">
+            <a:schemeClr val="accent1"/>
+          </a:fillRef>
+          <a:effectRef idx="0">
+            <a:schemeClr val="accent1"/>
+          </a:effectRef>
+          <a:fontRef idx="minor">
+            <a:schemeClr val="lt1"/>
+          </a:fontRef>
+        </p:style>
+        <p:txBody>
+          <a:bodyPr rtlCol="0" anchor="ctr"/>
+          <a:lstStyle/>
+          <a:p>
+            <a:pPr algn="ctr"/>
+            <a:r>
+              <a:rPr lang="en-US" dirty="0">
+                <a:solidFill>
+                  <a:schemeClr val="tx1"/>
+                </a:solidFill>
+              </a:rPr>
+              <a:t>Azure Marketplace</a:t>
+            </a:r>
+          </a:p>
+        </p:txBody>
+      </p:sp>
+      <p:grpSp>
+        <p:nvGrpSpPr>
+          <p:cNvPr id="8" name="Group 7">
+            <a:extLst>
+              <a:ext uri="{FF2B5EF4-FFF2-40B4-BE49-F238E27FC236}">
+                <a16:creationId xmlns:a16="http://schemas.microsoft.com/office/drawing/2014/main" id="{9CC736B1-CCCA-45B8-BE80-1152569CA159}"/>
+              </a:ext>
+            </a:extLst>
+          </p:cNvPr>
+          <p:cNvGrpSpPr/>
+          <p:nvPr/>
+        </p:nvGrpSpPr>
+        <p:grpSpPr>
+          <a:xfrm>
+            <a:off x="1756936" y="1690627"/>
+            <a:ext cx="1170962" cy="775518"/>
+            <a:chOff x="550330" y="3022814"/>
+            <a:chExt cx="1170962" cy="775518"/>
+          </a:xfrm>
+        </p:grpSpPr>
+        <p:pic>
+          <p:nvPicPr>
+            <p:cNvPr id="6" name="Graphic 5" descr="User">
+              <a:extLst>
+                <a:ext uri="{FF2B5EF4-FFF2-40B4-BE49-F238E27FC236}">
+                  <a16:creationId xmlns:a16="http://schemas.microsoft.com/office/drawing/2014/main" id="{67267E5F-569E-4E03-80C3-55BDD75E1223}"/>
+                </a:ext>
+              </a:extLst>
+            </p:cNvPr>
+            <p:cNvPicPr>
+              <a:picLocks noChangeAspect="1"/>
+            </p:cNvPicPr>
+            <p:nvPr/>
+          </p:nvPicPr>
+          <p:blipFill>
+            <a:blip r:embed="rId2">
+              <a:extLst>
+                <a:ext uri="{28A0092B-C50C-407E-A947-70E740481C1C}">
+                  <a14:useLocalDpi xmlns:a14="http://schemas.microsoft.com/office/drawing/2010/main" val="0"/>
+                </a:ext>
+                <a:ext uri="{96DAC541-7B7A-43D3-8B79-37D633B846F1}">
+                  <asvg:svgBlip xmlns:asvg="http://schemas.microsoft.com/office/drawing/2016/SVG/main" r:embed="rId3"/>
+                </a:ext>
+              </a:extLst>
+            </a:blip>
+            <a:stretch>
+              <a:fillRect/>
+            </a:stretch>
+          </p:blipFill>
+          <p:spPr>
+            <a:xfrm>
+              <a:off x="862835" y="3022814"/>
+              <a:ext cx="545952" cy="545952"/>
+            </a:xfrm>
+            <a:prstGeom prst="rect">
+              <a:avLst/>
+            </a:prstGeom>
+          </p:spPr>
+        </p:pic>
+        <p:sp>
+          <p:nvSpPr>
+            <p:cNvPr id="7" name="TextBox 6">
+              <a:extLst>
+                <a:ext uri="{FF2B5EF4-FFF2-40B4-BE49-F238E27FC236}">
+                  <a16:creationId xmlns:a16="http://schemas.microsoft.com/office/drawing/2014/main" id="{5C9DC59E-F129-4D05-9FC5-C18EB07B5492}"/>
+                </a:ext>
+              </a:extLst>
+            </p:cNvPr>
+            <p:cNvSpPr txBox="1"/>
+            <p:nvPr/>
+          </p:nvSpPr>
+          <p:spPr>
+            <a:xfrm>
+              <a:off x="550330" y="3429000"/>
+              <a:ext cx="1170962" cy="369332"/>
+            </a:xfrm>
+            <a:prstGeom prst="rect">
+              <a:avLst/>
+            </a:prstGeom>
+            <a:noFill/>
+          </p:spPr>
+          <p:txBody>
+            <a:bodyPr wrap="none" rtlCol="0">
+              <a:spAutoFit/>
+            </a:bodyPr>
+            <a:lstStyle/>
+            <a:p>
+              <a:pPr algn="ctr"/>
+              <a:r>
+                <a:rPr lang="en-US" dirty="0"/>
+                <a:t>Subscriber</a:t>
+              </a:r>
+            </a:p>
+          </p:txBody>
+        </p:sp>
+      </p:grpSp>
+      <p:cxnSp>
+        <p:nvCxnSpPr>
+          <p:cNvPr id="10" name="Straight Arrow Connector 9">
+            <a:extLst>
+              <a:ext uri="{FF2B5EF4-FFF2-40B4-BE49-F238E27FC236}">
+                <a16:creationId xmlns:a16="http://schemas.microsoft.com/office/drawing/2014/main" id="{ADCD96B3-9558-4E23-BB0E-83981C17823A}"/>
+              </a:ext>
+            </a:extLst>
+          </p:cNvPr>
+          <p:cNvCxnSpPr>
+            <a:cxnSpLocks/>
+            <a:stCxn id="7" idx="2"/>
+            <a:endCxn id="4" idx="0"/>
+          </p:cNvCxnSpPr>
+          <p:nvPr/>
+        </p:nvCxnSpPr>
+        <p:spPr>
+          <a:xfrm flipH="1">
+            <a:off x="2332872" y="2466145"/>
+            <a:ext cx="9545" cy="502863"/>
+          </a:xfrm>
+          <a:prstGeom prst="straightConnector1">
+            <a:avLst/>
+          </a:prstGeom>
+          <a:ln>
+            <a:solidFill>
+              <a:schemeClr val="tx1"/>
+            </a:solidFill>
+            <a:tailEnd type="triangle"/>
+          </a:ln>
+        </p:spPr>
+        <p:style>
+          <a:lnRef idx="1">
+            <a:schemeClr val="accent1"/>
+          </a:lnRef>
+          <a:fillRef idx="0">
+            <a:schemeClr val="accent1"/>
+          </a:fillRef>
+          <a:effectRef idx="0">
+            <a:schemeClr val="accent1"/>
+          </a:effectRef>
+          <a:fontRef idx="minor">
+            <a:schemeClr val="tx1"/>
+          </a:fontRef>
+        </p:style>
+      </p:cxnSp>
+      <p:sp>
+        <p:nvSpPr>
+          <p:cNvPr id="11" name="TextBox 10">
+            <a:extLst>
+              <a:ext uri="{FF2B5EF4-FFF2-40B4-BE49-F238E27FC236}">
+                <a16:creationId xmlns:a16="http://schemas.microsoft.com/office/drawing/2014/main" id="{3574018B-EBC5-4851-AA62-853EDADAFB73}"/>
+              </a:ext>
+            </a:extLst>
+          </p:cNvPr>
+          <p:cNvSpPr txBox="1"/>
+          <p:nvPr/>
+        </p:nvSpPr>
+        <p:spPr>
+          <a:xfrm>
+            <a:off x="1350218" y="2511045"/>
+            <a:ext cx="1090811" cy="369332"/>
+          </a:xfrm>
+          <a:prstGeom prst="rect">
+            <a:avLst/>
+          </a:prstGeom>
+          <a:noFill/>
+        </p:spPr>
+        <p:txBody>
+          <a:bodyPr wrap="none" rtlCol="0">
+            <a:spAutoFit/>
+          </a:bodyPr>
+          <a:lstStyle/>
+          <a:p>
+            <a:r>
+              <a:rPr lang="en-US" dirty="0"/>
+              <a:t>Subscribe</a:t>
+            </a:r>
+          </a:p>
+        </p:txBody>
+      </p:sp>
+      <p:sp>
+        <p:nvSpPr>
+          <p:cNvPr id="14" name="Rectangle: Rounded Corners 13">
+            <a:extLst>
+              <a:ext uri="{FF2B5EF4-FFF2-40B4-BE49-F238E27FC236}">
+                <a16:creationId xmlns:a16="http://schemas.microsoft.com/office/drawing/2014/main" id="{005FBFA7-31C4-4491-BE61-D7742502A1CC}"/>
+              </a:ext>
+            </a:extLst>
+          </p:cNvPr>
+          <p:cNvSpPr/>
+          <p:nvPr/>
+        </p:nvSpPr>
+        <p:spPr>
+          <a:xfrm>
+            <a:off x="4737595" y="1422276"/>
+            <a:ext cx="2044849" cy="3986455"/>
+          </a:xfrm>
+          <a:prstGeom prst="roundRect">
+            <a:avLst/>
+          </a:prstGeom>
+          <a:noFill/>
+          <a:ln>
+            <a:solidFill>
+              <a:schemeClr val="accent2">
+                <a:lumMod val="75000"/>
+              </a:schemeClr>
+            </a:solidFill>
+            <a:prstDash val="sysDash"/>
+          </a:ln>
+        </p:spPr>
+        <p:style>
+          <a:lnRef idx="2">
+            <a:schemeClr val="accent1">
+              <a:shade val="50000"/>
+            </a:schemeClr>
+          </a:lnRef>
+          <a:fillRef idx="1">
+            <a:schemeClr val="accent1"/>
+          </a:fillRef>
+          <a:effectRef idx="0">
+            <a:schemeClr val="accent1"/>
+          </a:effectRef>
+          <a:fontRef idx="minor">
+            <a:schemeClr val="lt1"/>
+          </a:fontRef>
+        </p:style>
+        <p:txBody>
+          <a:bodyPr rtlCol="0" anchor="b" anchorCtr="1"/>
+          <a:lstStyle/>
+          <a:p>
+            <a:pPr algn="ctr"/>
+            <a:r>
+              <a:rPr lang="en-US" dirty="0">
+                <a:solidFill>
+                  <a:schemeClr val="accent2">
+                    <a:lumMod val="50000"/>
+                  </a:schemeClr>
+                </a:solidFill>
+              </a:rPr>
+              <a:t>Sample</a:t>
+            </a:r>
+          </a:p>
+        </p:txBody>
+      </p:sp>
+      <p:sp>
+        <p:nvSpPr>
+          <p:cNvPr id="15" name="Rectangle: Rounded Corners 14">
+            <a:extLst>
+              <a:ext uri="{FF2B5EF4-FFF2-40B4-BE49-F238E27FC236}">
+                <a16:creationId xmlns:a16="http://schemas.microsoft.com/office/drawing/2014/main" id="{04B1A233-8C47-44D3-A605-41C7786A7982}"/>
+              </a:ext>
+            </a:extLst>
+          </p:cNvPr>
+          <p:cNvSpPr/>
+          <p:nvPr/>
+        </p:nvSpPr>
+        <p:spPr>
+          <a:xfrm>
+            <a:off x="4889594" y="1668365"/>
+            <a:ext cx="1728204" cy="576532"/>
+          </a:xfrm>
+          <a:prstGeom prst="roundRect">
+            <a:avLst/>
+          </a:prstGeom>
+          <a:noFill/>
+          <a:ln>
+            <a:solidFill>
+              <a:schemeClr val="tx1"/>
+            </a:solidFill>
+          </a:ln>
+        </p:spPr>
+        <p:style>
+          <a:lnRef idx="2">
+            <a:schemeClr val="accent1">
+              <a:shade val="50000"/>
+            </a:schemeClr>
+          </a:lnRef>
+          <a:fillRef idx="1">
+            <a:schemeClr val="accent1"/>
+          </a:fillRef>
+          <a:effectRef idx="0">
+            <a:schemeClr val="accent1"/>
+          </a:effectRef>
+          <a:fontRef idx="minor">
+            <a:schemeClr val="lt1"/>
+          </a:fontRef>
+        </p:style>
+        <p:txBody>
+          <a:bodyPr rtlCol="0" anchor="ctr"/>
+          <a:lstStyle/>
+          <a:p>
+            <a:pPr algn="ctr"/>
+            <a:r>
+              <a:rPr lang="en-US" dirty="0">
+                <a:solidFill>
+                  <a:schemeClr val="tx1"/>
+                </a:solidFill>
+              </a:rPr>
+              <a:t>Landing page</a:t>
+            </a:r>
+          </a:p>
+        </p:txBody>
+      </p:sp>
+      <p:cxnSp>
+        <p:nvCxnSpPr>
+          <p:cNvPr id="16" name="Straight Arrow Connector 15">
+            <a:extLst>
+              <a:ext uri="{FF2B5EF4-FFF2-40B4-BE49-F238E27FC236}">
+                <a16:creationId xmlns:a16="http://schemas.microsoft.com/office/drawing/2014/main" id="{6F728E63-9335-4C62-A640-51FE2178B8AC}"/>
+              </a:ext>
+            </a:extLst>
+          </p:cNvPr>
+          <p:cNvCxnSpPr>
+            <a:cxnSpLocks/>
+            <a:stCxn id="6" idx="3"/>
+            <a:endCxn id="15" idx="1"/>
+          </p:cNvCxnSpPr>
+          <p:nvPr/>
+        </p:nvCxnSpPr>
+        <p:spPr>
+          <a:xfrm flipV="1">
+            <a:off x="2615393" y="1956631"/>
+            <a:ext cx="2274201" cy="6972"/>
+          </a:xfrm>
+          <a:prstGeom prst="straightConnector1">
+            <a:avLst/>
+          </a:prstGeom>
+          <a:ln>
+            <a:solidFill>
+              <a:schemeClr val="tx1"/>
+            </a:solidFill>
+            <a:tailEnd type="triangle"/>
+          </a:ln>
+        </p:spPr>
+        <p:style>
+          <a:lnRef idx="1">
+            <a:schemeClr val="accent1"/>
+          </a:lnRef>
+          <a:fillRef idx="0">
+            <a:schemeClr val="accent1"/>
+          </a:fillRef>
+          <a:effectRef idx="0">
+            <a:schemeClr val="accent1"/>
+          </a:effectRef>
+          <a:fontRef idx="minor">
+            <a:schemeClr val="tx1"/>
+          </a:fontRef>
+        </p:style>
+      </p:cxnSp>
+      <p:sp>
+        <p:nvSpPr>
+          <p:cNvPr id="19" name="Rectangle: Rounded Corners 18">
+            <a:extLst>
+              <a:ext uri="{FF2B5EF4-FFF2-40B4-BE49-F238E27FC236}">
+                <a16:creationId xmlns:a16="http://schemas.microsoft.com/office/drawing/2014/main" id="{C3BAD645-B9EA-494A-A873-9C98A4516430}"/>
+              </a:ext>
+            </a:extLst>
+          </p:cNvPr>
+          <p:cNvSpPr/>
+          <p:nvPr/>
+        </p:nvSpPr>
+        <p:spPr>
+          <a:xfrm>
+            <a:off x="4895917" y="2969008"/>
+            <a:ext cx="1728204" cy="576532"/>
+          </a:xfrm>
+          <a:prstGeom prst="roundRect">
+            <a:avLst/>
+          </a:prstGeom>
+          <a:noFill/>
+          <a:ln>
+            <a:solidFill>
+              <a:schemeClr val="tx1"/>
+            </a:solidFill>
+          </a:ln>
+        </p:spPr>
+        <p:style>
+          <a:lnRef idx="2">
+            <a:schemeClr val="accent1">
+              <a:shade val="50000"/>
+            </a:schemeClr>
+          </a:lnRef>
+          <a:fillRef idx="1">
+            <a:schemeClr val="accent1"/>
+          </a:fillRef>
+          <a:effectRef idx="0">
+            <a:schemeClr val="accent1"/>
+          </a:effectRef>
+          <a:fontRef idx="minor">
+            <a:schemeClr val="lt1"/>
+          </a:fontRef>
+        </p:style>
+        <p:txBody>
+          <a:bodyPr rtlCol="0" anchor="ctr"/>
+          <a:lstStyle/>
+          <a:p>
+            <a:pPr algn="ctr"/>
+            <a:r>
+              <a:rPr lang="en-US" dirty="0">
+                <a:solidFill>
+                  <a:schemeClr val="tx1"/>
+                </a:solidFill>
+              </a:rPr>
+              <a:t>Webhook</a:t>
+            </a:r>
+          </a:p>
+        </p:txBody>
+      </p:sp>
+      <p:grpSp>
+        <p:nvGrpSpPr>
+          <p:cNvPr id="20" name="Group 19">
+            <a:extLst>
+              <a:ext uri="{FF2B5EF4-FFF2-40B4-BE49-F238E27FC236}">
+                <a16:creationId xmlns:a16="http://schemas.microsoft.com/office/drawing/2014/main" id="{3F70387F-35A9-4385-BC36-0E3E93FB8A88}"/>
+              </a:ext>
+            </a:extLst>
+          </p:cNvPr>
+          <p:cNvGrpSpPr/>
+          <p:nvPr/>
+        </p:nvGrpSpPr>
+        <p:grpSpPr>
+          <a:xfrm>
+            <a:off x="7936343" y="3025134"/>
+            <a:ext cx="1221361" cy="775518"/>
+            <a:chOff x="525132" y="3022814"/>
+            <a:chExt cx="1221361" cy="775518"/>
+          </a:xfrm>
+        </p:grpSpPr>
+        <p:pic>
+          <p:nvPicPr>
+            <p:cNvPr id="21" name="Graphic 20" descr="User">
+              <a:extLst>
+                <a:ext uri="{FF2B5EF4-FFF2-40B4-BE49-F238E27FC236}">
+                  <a16:creationId xmlns:a16="http://schemas.microsoft.com/office/drawing/2014/main" id="{52ACF51B-4CD8-4B71-8E2D-693DBA2AFA9C}"/>
+                </a:ext>
+              </a:extLst>
+            </p:cNvPr>
+            <p:cNvPicPr>
+              <a:picLocks noChangeAspect="1"/>
+            </p:cNvPicPr>
+            <p:nvPr/>
+          </p:nvPicPr>
+          <p:blipFill>
+            <a:blip r:embed="rId2">
+              <a:extLst>
+                <a:ext uri="{28A0092B-C50C-407E-A947-70E740481C1C}">
+                  <a14:useLocalDpi xmlns:a14="http://schemas.microsoft.com/office/drawing/2010/main" val="0"/>
+                </a:ext>
+                <a:ext uri="{96DAC541-7B7A-43D3-8B79-37D633B846F1}">
+                  <asvg:svgBlip xmlns:asvg="http://schemas.microsoft.com/office/drawing/2016/SVG/main" r:embed="rId3"/>
+                </a:ext>
+              </a:extLst>
+            </a:blip>
+            <a:stretch>
+              <a:fillRect/>
+            </a:stretch>
+          </p:blipFill>
+          <p:spPr>
+            <a:xfrm>
+              <a:off x="862835" y="3022814"/>
+              <a:ext cx="545952" cy="545952"/>
+            </a:xfrm>
+            <a:prstGeom prst="rect">
+              <a:avLst/>
+            </a:prstGeom>
+          </p:spPr>
+        </p:pic>
+        <p:sp>
+          <p:nvSpPr>
+            <p:cNvPr id="22" name="TextBox 21">
+              <a:extLst>
+                <a:ext uri="{FF2B5EF4-FFF2-40B4-BE49-F238E27FC236}">
+                  <a16:creationId xmlns:a16="http://schemas.microsoft.com/office/drawing/2014/main" id="{1A2EB389-5862-4856-9E7F-B98395C11AF3}"/>
+                </a:ext>
+              </a:extLst>
+            </p:cNvPr>
+            <p:cNvSpPr txBox="1"/>
+            <p:nvPr/>
+          </p:nvSpPr>
+          <p:spPr>
+            <a:xfrm>
+              <a:off x="525132" y="3429000"/>
+              <a:ext cx="1221361" cy="369332"/>
+            </a:xfrm>
+            <a:prstGeom prst="rect">
+              <a:avLst/>
+            </a:prstGeom>
+            <a:noFill/>
+          </p:spPr>
+          <p:txBody>
+            <a:bodyPr wrap="none" rtlCol="0">
+              <a:spAutoFit/>
+            </a:bodyPr>
+            <a:lstStyle/>
+            <a:p>
+              <a:pPr algn="ctr"/>
+              <a:r>
+                <a:rPr lang="en-US" dirty="0"/>
+                <a:t>Operations</a:t>
+              </a:r>
+            </a:p>
+          </p:txBody>
+        </p:sp>
+      </p:grpSp>
+      <p:sp>
+        <p:nvSpPr>
+          <p:cNvPr id="23" name="Rectangle: Rounded Corners 22">
+            <a:extLst>
+              <a:ext uri="{FF2B5EF4-FFF2-40B4-BE49-F238E27FC236}">
+                <a16:creationId xmlns:a16="http://schemas.microsoft.com/office/drawing/2014/main" id="{12BF0755-9027-4161-8F4A-8CB3CA27225F}"/>
+              </a:ext>
+            </a:extLst>
+          </p:cNvPr>
+          <p:cNvSpPr/>
+          <p:nvPr/>
+        </p:nvSpPr>
+        <p:spPr>
+          <a:xfrm>
+            <a:off x="10101866" y="1899705"/>
+            <a:ext cx="1728204" cy="3219123"/>
+          </a:xfrm>
+          <a:prstGeom prst="roundRect">
+            <a:avLst/>
+          </a:prstGeom>
+          <a:noFill/>
+          <a:ln>
+            <a:solidFill>
+              <a:schemeClr val="tx1"/>
+            </a:solidFill>
+          </a:ln>
+        </p:spPr>
+        <p:style>
+          <a:lnRef idx="2">
+            <a:schemeClr val="accent1">
+              <a:shade val="50000"/>
+            </a:schemeClr>
+          </a:lnRef>
+          <a:fillRef idx="1">
+            <a:schemeClr val="accent1"/>
+          </a:fillRef>
+          <a:effectRef idx="0">
+            <a:schemeClr val="accent1"/>
+          </a:effectRef>
+          <a:fontRef idx="minor">
+            <a:schemeClr val="lt1"/>
+          </a:fontRef>
+        </p:style>
+        <p:txBody>
+          <a:bodyPr rtlCol="0" anchor="ctr"/>
+          <a:lstStyle/>
+          <a:p>
+            <a:pPr algn="ctr"/>
+            <a:r>
+              <a:rPr lang="en-US" dirty="0">
+                <a:solidFill>
+                  <a:schemeClr val="tx1"/>
+                </a:solidFill>
+              </a:rPr>
+              <a:t>SaaS solution</a:t>
+            </a:r>
+          </a:p>
+        </p:txBody>
+      </p:sp>
+      <p:cxnSp>
+        <p:nvCxnSpPr>
+          <p:cNvPr id="24" name="Straight Arrow Connector 23">
+            <a:extLst>
+              <a:ext uri="{FF2B5EF4-FFF2-40B4-BE49-F238E27FC236}">
+                <a16:creationId xmlns:a16="http://schemas.microsoft.com/office/drawing/2014/main" id="{A2FF1351-7513-44BB-8E27-55CE69EB6C58}"/>
+              </a:ext>
+            </a:extLst>
+          </p:cNvPr>
+          <p:cNvCxnSpPr>
+            <a:cxnSpLocks/>
+          </p:cNvCxnSpPr>
+          <p:nvPr/>
+        </p:nvCxnSpPr>
+        <p:spPr>
+          <a:xfrm flipH="1">
+            <a:off x="3196974" y="4006113"/>
+            <a:ext cx="1593052" cy="0"/>
+          </a:xfrm>
+          <a:prstGeom prst="straightConnector1">
+            <a:avLst/>
+          </a:prstGeom>
+          <a:ln>
+            <a:solidFill>
+              <a:schemeClr val="tx1"/>
+            </a:solidFill>
+            <a:tailEnd type="triangle"/>
+          </a:ln>
+        </p:spPr>
+        <p:style>
+          <a:lnRef idx="1">
+            <a:schemeClr val="accent1"/>
+          </a:lnRef>
+          <a:fillRef idx="0">
+            <a:schemeClr val="accent1"/>
+          </a:fillRef>
+          <a:effectRef idx="0">
+            <a:schemeClr val="accent1"/>
+          </a:effectRef>
+          <a:fontRef idx="minor">
+            <a:schemeClr val="tx1"/>
+          </a:fontRef>
+        </p:style>
+      </p:cxnSp>
+      <p:sp>
+        <p:nvSpPr>
+          <p:cNvPr id="27" name="TextBox 26">
+            <a:extLst>
+              <a:ext uri="{FF2B5EF4-FFF2-40B4-BE49-F238E27FC236}">
+                <a16:creationId xmlns:a16="http://schemas.microsoft.com/office/drawing/2014/main" id="{2B42EBA2-44FD-4A5E-BD85-B4F5BC42A9E8}"/>
+              </a:ext>
+            </a:extLst>
+          </p:cNvPr>
+          <p:cNvSpPr txBox="1"/>
+          <p:nvPr/>
+        </p:nvSpPr>
+        <p:spPr>
+          <a:xfrm>
+            <a:off x="3727965" y="3677493"/>
+            <a:ext cx="886781" cy="369332"/>
+          </a:xfrm>
+          <a:prstGeom prst="rect">
+            <a:avLst/>
+          </a:prstGeom>
+          <a:noFill/>
+        </p:spPr>
+        <p:txBody>
+          <a:bodyPr wrap="none" rtlCol="0">
+            <a:spAutoFit/>
+          </a:bodyPr>
+          <a:lstStyle/>
+          <a:p>
+            <a:r>
+              <a:rPr lang="en-US" dirty="0"/>
+              <a:t>Call API</a:t>
+            </a:r>
+          </a:p>
+        </p:txBody>
+      </p:sp>
+      <p:sp>
+        <p:nvSpPr>
+          <p:cNvPr id="28" name="TextBox 27">
+            <a:extLst>
+              <a:ext uri="{FF2B5EF4-FFF2-40B4-BE49-F238E27FC236}">
+                <a16:creationId xmlns:a16="http://schemas.microsoft.com/office/drawing/2014/main" id="{92478236-F1FC-4413-80DD-A3AFD6A29478}"/>
+              </a:ext>
+            </a:extLst>
+          </p:cNvPr>
+          <p:cNvSpPr txBox="1"/>
+          <p:nvPr/>
+        </p:nvSpPr>
+        <p:spPr>
+          <a:xfrm>
+            <a:off x="2608940" y="828499"/>
+            <a:ext cx="1750329" cy="1200329"/>
+          </a:xfrm>
+          <a:prstGeom prst="rect">
+            <a:avLst/>
+          </a:prstGeom>
+          <a:noFill/>
+        </p:spPr>
+        <p:txBody>
+          <a:bodyPr wrap="square" rtlCol="0">
+            <a:spAutoFit/>
+          </a:bodyPr>
+          <a:lstStyle/>
+          <a:p>
+            <a:r>
+              <a:rPr lang="en-US" dirty="0"/>
+              <a:t>Access to activate or modify the subscription </a:t>
+            </a:r>
+          </a:p>
+        </p:txBody>
+      </p:sp>
+      <p:cxnSp>
+        <p:nvCxnSpPr>
+          <p:cNvPr id="29" name="Straight Arrow Connector 28">
+            <a:extLst>
+              <a:ext uri="{FF2B5EF4-FFF2-40B4-BE49-F238E27FC236}">
+                <a16:creationId xmlns:a16="http://schemas.microsoft.com/office/drawing/2014/main" id="{9F137F03-EE63-4E5E-94D0-0B680798376B}"/>
+              </a:ext>
+            </a:extLst>
+          </p:cNvPr>
+          <p:cNvCxnSpPr>
+            <a:cxnSpLocks/>
+            <a:endCxn id="19" idx="1"/>
+          </p:cNvCxnSpPr>
+          <p:nvPr/>
+        </p:nvCxnSpPr>
+        <p:spPr>
+          <a:xfrm>
+            <a:off x="3196974" y="3257274"/>
+            <a:ext cx="1698943" cy="0"/>
+          </a:xfrm>
+          <a:prstGeom prst="straightConnector1">
+            <a:avLst/>
+          </a:prstGeom>
+          <a:ln>
+            <a:solidFill>
+              <a:schemeClr val="tx1"/>
+            </a:solidFill>
+            <a:tailEnd type="triangle"/>
+          </a:ln>
+        </p:spPr>
+        <p:style>
+          <a:lnRef idx="1">
+            <a:schemeClr val="accent1"/>
+          </a:lnRef>
+          <a:fillRef idx="0">
+            <a:schemeClr val="accent1"/>
+          </a:fillRef>
+          <a:effectRef idx="0">
+            <a:schemeClr val="accent1"/>
+          </a:effectRef>
+          <a:fontRef idx="minor">
+            <a:schemeClr val="tx1"/>
+          </a:fontRef>
+        </p:style>
+      </p:cxnSp>
+      <p:sp>
+        <p:nvSpPr>
+          <p:cNvPr id="32" name="TextBox 31">
+            <a:extLst>
+              <a:ext uri="{FF2B5EF4-FFF2-40B4-BE49-F238E27FC236}">
+                <a16:creationId xmlns:a16="http://schemas.microsoft.com/office/drawing/2014/main" id="{A65978C3-3913-4991-B695-9A506C3BA676}"/>
+              </a:ext>
+            </a:extLst>
+          </p:cNvPr>
+          <p:cNvSpPr txBox="1"/>
+          <p:nvPr/>
+        </p:nvSpPr>
+        <p:spPr>
+          <a:xfrm>
+            <a:off x="3674397" y="2906411"/>
+            <a:ext cx="761299" cy="369332"/>
+          </a:xfrm>
+          <a:prstGeom prst="rect">
+            <a:avLst/>
+          </a:prstGeom>
+          <a:noFill/>
+        </p:spPr>
+        <p:txBody>
+          <a:bodyPr wrap="none" rtlCol="0">
+            <a:spAutoFit/>
+          </a:bodyPr>
+          <a:lstStyle/>
+          <a:p>
+            <a:r>
+              <a:rPr lang="en-US" dirty="0"/>
+              <a:t>Notify</a:t>
+            </a:r>
+          </a:p>
+        </p:txBody>
+      </p:sp>
+      <p:cxnSp>
+        <p:nvCxnSpPr>
+          <p:cNvPr id="36" name="Straight Arrow Connector 35">
+            <a:extLst>
+              <a:ext uri="{FF2B5EF4-FFF2-40B4-BE49-F238E27FC236}">
+                <a16:creationId xmlns:a16="http://schemas.microsoft.com/office/drawing/2014/main" id="{144D055B-53F2-47AC-85F5-0A8AFE603BA8}"/>
+              </a:ext>
+            </a:extLst>
+          </p:cNvPr>
+          <p:cNvCxnSpPr>
+            <a:cxnSpLocks/>
+            <a:stCxn id="21" idx="3"/>
+          </p:cNvCxnSpPr>
+          <p:nvPr/>
+        </p:nvCxnSpPr>
+        <p:spPr>
+          <a:xfrm>
+            <a:off x="8819998" y="3298110"/>
+            <a:ext cx="1281868" cy="0"/>
+          </a:xfrm>
+          <a:prstGeom prst="straightConnector1">
+            <a:avLst/>
+          </a:prstGeom>
+          <a:ln>
+            <a:solidFill>
+              <a:schemeClr val="tx1"/>
+            </a:solidFill>
+            <a:tailEnd type="triangle"/>
+          </a:ln>
+        </p:spPr>
+        <p:style>
+          <a:lnRef idx="1">
+            <a:schemeClr val="accent1"/>
+          </a:lnRef>
+          <a:fillRef idx="0">
+            <a:schemeClr val="accent1"/>
+          </a:fillRef>
+          <a:effectRef idx="0">
+            <a:schemeClr val="accent1"/>
+          </a:effectRef>
+          <a:fontRef idx="minor">
+            <a:schemeClr val="tx1"/>
+          </a:fontRef>
+        </p:style>
+      </p:cxnSp>
+      <p:sp>
+        <p:nvSpPr>
+          <p:cNvPr id="39" name="TextBox 38">
+            <a:extLst>
+              <a:ext uri="{FF2B5EF4-FFF2-40B4-BE49-F238E27FC236}">
+                <a16:creationId xmlns:a16="http://schemas.microsoft.com/office/drawing/2014/main" id="{373BEA3D-E02D-410D-8090-52BDE69ACAD0}"/>
+              </a:ext>
+            </a:extLst>
+          </p:cNvPr>
+          <p:cNvSpPr txBox="1"/>
+          <p:nvPr/>
+        </p:nvSpPr>
+        <p:spPr>
+          <a:xfrm>
+            <a:off x="8728529" y="2359960"/>
+            <a:ext cx="1394997" cy="923330"/>
+          </a:xfrm>
+          <a:prstGeom prst="rect">
+            <a:avLst/>
+          </a:prstGeom>
+          <a:noFill/>
+        </p:spPr>
+        <p:txBody>
+          <a:bodyPr wrap="none" rtlCol="0">
+            <a:spAutoFit/>
+          </a:bodyPr>
+          <a:lstStyle/>
+          <a:p>
+            <a:r>
+              <a:rPr lang="en-US" dirty="0"/>
+              <a:t>Provision/</a:t>
+            </a:r>
+          </a:p>
+          <a:p>
+            <a:r>
+              <a:rPr lang="en-US" dirty="0"/>
+              <a:t>Deprovision/</a:t>
+            </a:r>
+          </a:p>
+          <a:p>
+            <a:r>
+              <a:rPr lang="en-US" dirty="0"/>
+              <a:t>Suspend</a:t>
+            </a:r>
+          </a:p>
+        </p:txBody>
+      </p:sp>
+      <p:cxnSp>
+        <p:nvCxnSpPr>
+          <p:cNvPr id="40" name="Straight Arrow Connector 39">
+            <a:extLst>
+              <a:ext uri="{FF2B5EF4-FFF2-40B4-BE49-F238E27FC236}">
+                <a16:creationId xmlns:a16="http://schemas.microsoft.com/office/drawing/2014/main" id="{00BEC6F4-87AF-4298-B166-68436EEE67F9}"/>
+              </a:ext>
+            </a:extLst>
+          </p:cNvPr>
+          <p:cNvCxnSpPr>
+            <a:cxnSpLocks/>
+            <a:endCxn id="21" idx="1"/>
+          </p:cNvCxnSpPr>
+          <p:nvPr/>
+        </p:nvCxnSpPr>
+        <p:spPr>
+          <a:xfrm>
+            <a:off x="6808319" y="2949471"/>
+            <a:ext cx="1465727" cy="348639"/>
+          </a:xfrm>
+          <a:prstGeom prst="straightConnector1">
+            <a:avLst/>
+          </a:prstGeom>
+          <a:ln>
+            <a:solidFill>
+              <a:schemeClr val="tx1"/>
+            </a:solidFill>
+            <a:tailEnd type="triangle"/>
+          </a:ln>
+        </p:spPr>
+        <p:style>
+          <a:lnRef idx="1">
+            <a:schemeClr val="accent1"/>
+          </a:lnRef>
+          <a:fillRef idx="0">
+            <a:schemeClr val="accent1"/>
+          </a:fillRef>
+          <a:effectRef idx="0">
+            <a:schemeClr val="accent1"/>
+          </a:effectRef>
+          <a:fontRef idx="minor">
+            <a:schemeClr val="tx1"/>
+          </a:fontRef>
+        </p:style>
+      </p:cxnSp>
+      <p:sp>
+        <p:nvSpPr>
+          <p:cNvPr id="42" name="TextBox 41">
+            <a:extLst>
+              <a:ext uri="{FF2B5EF4-FFF2-40B4-BE49-F238E27FC236}">
+                <a16:creationId xmlns:a16="http://schemas.microsoft.com/office/drawing/2014/main" id="{0771B684-52A3-4F33-A927-06E92C5A553B}"/>
+              </a:ext>
+            </a:extLst>
+          </p:cNvPr>
+          <p:cNvSpPr txBox="1"/>
+          <p:nvPr/>
+        </p:nvSpPr>
+        <p:spPr>
+          <a:xfrm>
+            <a:off x="7078604" y="2631595"/>
+            <a:ext cx="1218603" cy="369332"/>
+          </a:xfrm>
+          <a:prstGeom prst="rect">
+            <a:avLst/>
+          </a:prstGeom>
+          <a:noFill/>
+        </p:spPr>
+        <p:txBody>
+          <a:bodyPr wrap="none" rtlCol="0">
+            <a:spAutoFit/>
+          </a:bodyPr>
+          <a:lstStyle/>
+          <a:p>
+            <a:r>
+              <a:rPr lang="en-US" dirty="0"/>
+              <a:t>Send email</a:t>
+            </a:r>
+          </a:p>
+        </p:txBody>
+      </p:sp>
+      <p:cxnSp>
+        <p:nvCxnSpPr>
+          <p:cNvPr id="43" name="Straight Arrow Connector 42">
+            <a:extLst>
+              <a:ext uri="{FF2B5EF4-FFF2-40B4-BE49-F238E27FC236}">
+                <a16:creationId xmlns:a16="http://schemas.microsoft.com/office/drawing/2014/main" id="{427461DF-3F05-42F8-B624-AD7146F3C60A}"/>
+              </a:ext>
+            </a:extLst>
+          </p:cNvPr>
+          <p:cNvCxnSpPr>
+            <a:cxnSpLocks/>
+            <a:stCxn id="22" idx="1"/>
+          </p:cNvCxnSpPr>
+          <p:nvPr/>
+        </p:nvCxnSpPr>
+        <p:spPr>
+          <a:xfrm flipH="1">
+            <a:off x="6808319" y="3615986"/>
+            <a:ext cx="1128024" cy="167739"/>
+          </a:xfrm>
+          <a:prstGeom prst="straightConnector1">
+            <a:avLst/>
+          </a:prstGeom>
+          <a:ln>
+            <a:solidFill>
+              <a:schemeClr val="tx1"/>
+            </a:solidFill>
+            <a:tailEnd type="triangle"/>
+          </a:ln>
+        </p:spPr>
+        <p:style>
+          <a:lnRef idx="1">
+            <a:schemeClr val="accent1"/>
+          </a:lnRef>
+          <a:fillRef idx="0">
+            <a:schemeClr val="accent1"/>
+          </a:fillRef>
+          <a:effectRef idx="0">
+            <a:schemeClr val="accent1"/>
+          </a:effectRef>
+          <a:fontRef idx="minor">
+            <a:schemeClr val="tx1"/>
+          </a:fontRef>
+        </p:style>
+      </p:cxnSp>
+      <p:sp>
+        <p:nvSpPr>
+          <p:cNvPr id="44" name="TextBox 43">
+            <a:extLst>
+              <a:ext uri="{FF2B5EF4-FFF2-40B4-BE49-F238E27FC236}">
+                <a16:creationId xmlns:a16="http://schemas.microsoft.com/office/drawing/2014/main" id="{5C4F9575-30E9-4260-86C7-9D4DF83E7691}"/>
+              </a:ext>
+            </a:extLst>
+          </p:cNvPr>
+          <p:cNvSpPr txBox="1"/>
+          <p:nvPr/>
+        </p:nvSpPr>
+        <p:spPr>
+          <a:xfrm>
+            <a:off x="6866077" y="3697240"/>
+            <a:ext cx="1407969" cy="923330"/>
+          </a:xfrm>
+          <a:prstGeom prst="rect">
+            <a:avLst/>
+          </a:prstGeom>
+          <a:noFill/>
+        </p:spPr>
+        <p:txBody>
+          <a:bodyPr wrap="square" rtlCol="0">
+            <a:spAutoFit/>
+          </a:bodyPr>
+          <a:lstStyle/>
+          <a:p>
+            <a:r>
+              <a:rPr lang="en-US" dirty="0"/>
+              <a:t>Mark completion after action</a:t>
+            </a:r>
+          </a:p>
+        </p:txBody>
+      </p:sp>
+      <p:sp>
+        <p:nvSpPr>
+          <p:cNvPr id="2" name="Isosceles Triangle 1">
+            <a:extLst>
+              <a:ext uri="{FF2B5EF4-FFF2-40B4-BE49-F238E27FC236}">
+                <a16:creationId xmlns:a16="http://schemas.microsoft.com/office/drawing/2014/main" id="{D6D583ED-DD55-419E-B906-64698985F5EC}"/>
+              </a:ext>
+            </a:extLst>
+          </p:cNvPr>
+          <p:cNvSpPr/>
+          <p:nvPr/>
+        </p:nvSpPr>
+        <p:spPr>
+          <a:xfrm>
+            <a:off x="3973671" y="5230966"/>
+            <a:ext cx="642957" cy="577510"/>
+          </a:xfrm>
+          <a:prstGeom prst="triangle">
+            <a:avLst/>
+          </a:prstGeom>
+          <a:noFill/>
+          <a:ln>
+            <a:solidFill>
+              <a:schemeClr val="tx1"/>
+            </a:solidFill>
+          </a:ln>
+        </p:spPr>
+        <p:style>
+          <a:lnRef idx="2">
+            <a:schemeClr val="accent1">
+              <a:shade val="50000"/>
+            </a:schemeClr>
+          </a:lnRef>
+          <a:fillRef idx="1">
+            <a:schemeClr val="accent1"/>
+          </a:fillRef>
+          <a:effectRef idx="0">
+            <a:schemeClr val="accent1"/>
+          </a:effectRef>
+          <a:fontRef idx="minor">
+            <a:schemeClr val="lt1"/>
+          </a:fontRef>
+        </p:style>
+        <p:txBody>
+          <a:bodyPr rtlCol="0" anchor="ctr"/>
+          <a:lstStyle/>
+          <a:p>
+            <a:pPr algn="ctr"/>
+            <a:endParaRPr lang="en-US"/>
+          </a:p>
+        </p:txBody>
+      </p:sp>
+      <p:sp>
+        <p:nvSpPr>
+          <p:cNvPr id="31" name="Isosceles Triangle 30">
+            <a:extLst>
+              <a:ext uri="{FF2B5EF4-FFF2-40B4-BE49-F238E27FC236}">
+                <a16:creationId xmlns:a16="http://schemas.microsoft.com/office/drawing/2014/main" id="{24C7BD46-1392-41E3-9AC3-F2B9EAC8FCCE}"/>
+              </a:ext>
+            </a:extLst>
+          </p:cNvPr>
+          <p:cNvSpPr/>
+          <p:nvPr/>
+        </p:nvSpPr>
+        <p:spPr>
+          <a:xfrm>
+            <a:off x="6202315" y="310411"/>
+            <a:ext cx="642957" cy="577510"/>
+          </a:xfrm>
+          <a:prstGeom prst="triangle">
+            <a:avLst/>
+          </a:prstGeom>
+          <a:noFill/>
+          <a:ln>
+            <a:solidFill>
+              <a:schemeClr val="tx1"/>
+            </a:solidFill>
+          </a:ln>
+        </p:spPr>
+        <p:style>
+          <a:lnRef idx="2">
+            <a:schemeClr val="accent1">
+              <a:shade val="50000"/>
+            </a:schemeClr>
+          </a:lnRef>
+          <a:fillRef idx="1">
+            <a:schemeClr val="accent1"/>
+          </a:fillRef>
+          <a:effectRef idx="0">
+            <a:schemeClr val="accent1"/>
+          </a:effectRef>
+          <a:fontRef idx="minor">
+            <a:schemeClr val="lt1"/>
+          </a:fontRef>
+        </p:style>
+        <p:txBody>
+          <a:bodyPr rtlCol="0" anchor="ctr"/>
+          <a:lstStyle/>
+          <a:p>
+            <a:pPr algn="ctr"/>
+            <a:endParaRPr lang="en-US"/>
+          </a:p>
+        </p:txBody>
+      </p:sp>
+      <p:cxnSp>
+        <p:nvCxnSpPr>
+          <p:cNvPr id="5" name="Straight Arrow Connector 4">
+            <a:extLst>
+              <a:ext uri="{FF2B5EF4-FFF2-40B4-BE49-F238E27FC236}">
+                <a16:creationId xmlns:a16="http://schemas.microsoft.com/office/drawing/2014/main" id="{0F21E7DD-E87F-4809-8AF0-6B7E156AC0A9}"/>
+              </a:ext>
+            </a:extLst>
+          </p:cNvPr>
+          <p:cNvCxnSpPr>
+            <a:cxnSpLocks/>
+            <a:endCxn id="2" idx="0"/>
+          </p:cNvCxnSpPr>
+          <p:nvPr/>
+        </p:nvCxnSpPr>
+        <p:spPr>
+          <a:xfrm flipH="1">
+            <a:off x="4295150" y="4064163"/>
+            <a:ext cx="600767" cy="1166803"/>
+          </a:xfrm>
+          <a:prstGeom prst="straightConnector1">
+            <a:avLst/>
+          </a:prstGeom>
+          <a:ln>
+            <a:tailEnd type="triangle"/>
+          </a:ln>
+        </p:spPr>
+        <p:style>
+          <a:lnRef idx="1">
+            <a:schemeClr val="accent1"/>
+          </a:lnRef>
+          <a:fillRef idx="0">
+            <a:schemeClr val="accent1"/>
+          </a:fillRef>
+          <a:effectRef idx="0">
+            <a:schemeClr val="accent1"/>
+          </a:effectRef>
+          <a:fontRef idx="minor">
+            <a:schemeClr val="tx1"/>
+          </a:fontRef>
+        </p:style>
+      </p:cxnSp>
+      <p:sp>
+        <p:nvSpPr>
+          <p:cNvPr id="9" name="TextBox 8">
+            <a:extLst>
+              <a:ext uri="{FF2B5EF4-FFF2-40B4-BE49-F238E27FC236}">
+                <a16:creationId xmlns:a16="http://schemas.microsoft.com/office/drawing/2014/main" id="{6846040D-0DDE-4CD5-B41F-DC94A3DC1F6E}"/>
+              </a:ext>
+            </a:extLst>
+          </p:cNvPr>
+          <p:cNvSpPr txBox="1"/>
+          <p:nvPr/>
+        </p:nvSpPr>
+        <p:spPr>
+          <a:xfrm>
+            <a:off x="3196974" y="4472497"/>
+            <a:ext cx="1398728" cy="646331"/>
+          </a:xfrm>
+          <a:prstGeom prst="rect">
+            <a:avLst/>
+          </a:prstGeom>
+          <a:noFill/>
+        </p:spPr>
+        <p:txBody>
+          <a:bodyPr wrap="square" rtlCol="0">
+            <a:spAutoFit/>
+          </a:bodyPr>
+          <a:lstStyle/>
+          <a:p>
+            <a:r>
+              <a:rPr lang="en-US" dirty="0"/>
+              <a:t>Authenticate API client</a:t>
+            </a:r>
+          </a:p>
+        </p:txBody>
+      </p:sp>
+      <p:cxnSp>
+        <p:nvCxnSpPr>
+          <p:cNvPr id="13" name="Straight Arrow Connector 12">
+            <a:extLst>
+              <a:ext uri="{FF2B5EF4-FFF2-40B4-BE49-F238E27FC236}">
+                <a16:creationId xmlns:a16="http://schemas.microsoft.com/office/drawing/2014/main" id="{CA165741-5215-4A3E-8A02-00129242E99A}"/>
+              </a:ext>
+            </a:extLst>
+          </p:cNvPr>
+          <p:cNvCxnSpPr>
+            <a:cxnSpLocks/>
+            <a:stCxn id="15" idx="0"/>
+            <a:endCxn id="31" idx="2"/>
+          </p:cNvCxnSpPr>
+          <p:nvPr/>
+        </p:nvCxnSpPr>
+        <p:spPr>
+          <a:xfrm flipV="1">
+            <a:off x="5753696" y="887921"/>
+            <a:ext cx="448619" cy="780444"/>
+          </a:xfrm>
+          <a:prstGeom prst="straightConnector1">
+            <a:avLst/>
+          </a:prstGeom>
+          <a:ln>
+            <a:tailEnd type="triangle"/>
+          </a:ln>
+        </p:spPr>
+        <p:style>
+          <a:lnRef idx="1">
+            <a:schemeClr val="accent1"/>
+          </a:lnRef>
+          <a:fillRef idx="0">
+            <a:schemeClr val="accent1"/>
+          </a:fillRef>
+          <a:effectRef idx="0">
+            <a:schemeClr val="accent1"/>
+          </a:effectRef>
+          <a:fontRef idx="minor">
+            <a:schemeClr val="tx1"/>
+          </a:fontRef>
+        </p:style>
+      </p:cxnSp>
+      <p:sp>
+        <p:nvSpPr>
+          <p:cNvPr id="35" name="TextBox 34">
+            <a:extLst>
+              <a:ext uri="{FF2B5EF4-FFF2-40B4-BE49-F238E27FC236}">
+                <a16:creationId xmlns:a16="http://schemas.microsoft.com/office/drawing/2014/main" id="{6900A11C-1810-499E-9947-BD6F8A17AD03}"/>
+              </a:ext>
+            </a:extLst>
+          </p:cNvPr>
+          <p:cNvSpPr txBox="1"/>
+          <p:nvPr/>
+        </p:nvSpPr>
+        <p:spPr>
+          <a:xfrm>
+            <a:off x="4458439" y="775945"/>
+            <a:ext cx="1936266" cy="646331"/>
+          </a:xfrm>
+          <a:prstGeom prst="rect">
+            <a:avLst/>
+          </a:prstGeom>
+          <a:noFill/>
+        </p:spPr>
+        <p:txBody>
+          <a:bodyPr wrap="square" rtlCol="0">
+            <a:spAutoFit/>
+          </a:bodyPr>
+          <a:lstStyle/>
+          <a:p>
+            <a:r>
+              <a:rPr lang="en-US" dirty="0"/>
+              <a:t>Authenticate the subscriber</a:t>
+            </a:r>
+          </a:p>
+        </p:txBody>
+      </p:sp>
+      <p:sp>
+        <p:nvSpPr>
+          <p:cNvPr id="51" name="TextBox 50">
+            <a:extLst>
+              <a:ext uri="{FF2B5EF4-FFF2-40B4-BE49-F238E27FC236}">
+                <a16:creationId xmlns:a16="http://schemas.microsoft.com/office/drawing/2014/main" id="{0DF6B009-D597-4756-9A18-D65446CED241}"/>
+              </a:ext>
+            </a:extLst>
+          </p:cNvPr>
+          <p:cNvSpPr txBox="1"/>
+          <p:nvPr/>
+        </p:nvSpPr>
+        <p:spPr>
+          <a:xfrm>
+            <a:off x="2841731" y="5459539"/>
+            <a:ext cx="1821524" cy="646331"/>
+          </a:xfrm>
+          <a:prstGeom prst="rect">
+            <a:avLst/>
+          </a:prstGeom>
+          <a:noFill/>
+        </p:spPr>
+        <p:txBody>
+          <a:bodyPr wrap="none" rtlCol="0">
+            <a:spAutoFit/>
+          </a:bodyPr>
+          <a:lstStyle/>
+          <a:p>
+            <a:r>
+              <a:rPr lang="en-US" dirty="0"/>
+              <a:t>Azure AD</a:t>
+            </a:r>
+          </a:p>
+          <a:p>
+            <a:r>
+              <a:rPr lang="en-US" dirty="0"/>
+              <a:t>Single tenant app</a:t>
+            </a:r>
+          </a:p>
+        </p:txBody>
+      </p:sp>
+      <p:sp>
+        <p:nvSpPr>
+          <p:cNvPr id="52" name="TextBox 51">
+            <a:extLst>
+              <a:ext uri="{FF2B5EF4-FFF2-40B4-BE49-F238E27FC236}">
+                <a16:creationId xmlns:a16="http://schemas.microsoft.com/office/drawing/2014/main" id="{142CED17-7DCB-4365-B1BB-A199F2E6375A}"/>
+              </a:ext>
+            </a:extLst>
+          </p:cNvPr>
+          <p:cNvSpPr txBox="1"/>
+          <p:nvPr/>
+        </p:nvSpPr>
+        <p:spPr>
+          <a:xfrm>
+            <a:off x="6699342" y="274794"/>
+            <a:ext cx="1783052" cy="646331"/>
+          </a:xfrm>
+          <a:prstGeom prst="rect">
+            <a:avLst/>
+          </a:prstGeom>
+          <a:noFill/>
+        </p:spPr>
+        <p:txBody>
+          <a:bodyPr wrap="none" rtlCol="0">
+            <a:spAutoFit/>
+          </a:bodyPr>
+          <a:lstStyle/>
+          <a:p>
+            <a:r>
+              <a:rPr lang="en-US" dirty="0"/>
+              <a:t>Azure AD</a:t>
+            </a:r>
+          </a:p>
+          <a:p>
+            <a:r>
+              <a:rPr lang="en-US" dirty="0"/>
+              <a:t>Multi-tenant app</a:t>
+            </a:r>
+          </a:p>
+        </p:txBody>
+      </p:sp>
+    </p:spTree>
+    <p:extLst>
+      <p:ext uri="{BB962C8B-B14F-4D97-AF65-F5344CB8AC3E}">
+        <p14:creationId xmlns:p14="http://schemas.microsoft.com/office/powerpoint/2010/main" val="3377414140"/>
+      </p:ext>
+    </p:extLst>
+  </p:cSld>
+  <p:clrMapOvr>
+    <a:masterClrMapping/>
+  </p:clrMapOvr>
+</p:sld>
+</file>
+
+<file path=ppt/slides/slide5.xml><?xml version="1.0" encoding="utf-8"?>
+<p:sld xmlns:a="http://schemas.openxmlformats.org/drawingml/2006/main" xmlns:r="http://schemas.openxmlformats.org/officeDocument/2006/relationships" xmlns:p="http://schemas.openxmlformats.org/presentationml/2006/main">
+  <p:cSld>
+    <p:spTree>
+      <p:nvGrpSpPr>
+        <p:cNvPr id="1" name=""/>
+        <p:cNvGrpSpPr/>
+        <p:nvPr/>
+      </p:nvGrpSpPr>
+      <p:grpSpPr>
+        <a:xfrm>
+          <a:off x="0" y="0"/>
+          <a:ext cx="0" cy="0"/>
+          <a:chOff x="0" y="0"/>
+          <a:chExt cx="0" cy="0"/>
+        </a:xfrm>
+      </p:grpSpPr>
+      <p:sp>
+        <p:nvSpPr>
           <p:cNvPr id="2" name="Title 1">
             <a:extLst>
               <a:ext uri="{FF2B5EF4-FFF2-40B4-BE49-F238E27FC236}">
@@ -14346,7 +15783,7 @@
 </p:sld>
 </file>
 
-<file path=ppt/slides/slide5.xml><?xml version="1.0" encoding="utf-8"?>
+<file path=ppt/slides/slide6.xml><?xml version="1.0" encoding="utf-8"?>
 <p:sld xmlns:a="http://schemas.openxmlformats.org/drawingml/2006/main" xmlns:r="http://schemas.openxmlformats.org/officeDocument/2006/relationships" xmlns:p="http://schemas.openxmlformats.org/presentationml/2006/main">
   <p:cSld>
     <p:spTree>
@@ -16358,7 +17795,7 @@
 </p:sld>
 </file>
 
-<file path=ppt/slides/slide6.xml><?xml version="1.0" encoding="utf-8"?>
+<file path=ppt/slides/slide7.xml><?xml version="1.0" encoding="utf-8"?>
 <p:sld xmlns:a="http://schemas.openxmlformats.org/drawingml/2006/main" xmlns:r="http://schemas.openxmlformats.org/officeDocument/2006/relationships" xmlns:p="http://schemas.openxmlformats.org/presentationml/2006/main">
   <p:cSld>
     <p:bg>
